--- a/cryptography.pptx
+++ b/cryptography.pptx
@@ -5,22 +5,21 @@
     <p:sldMasterId id="2147483648" r:id="rId1"/>
   </p:sldMasterIdLst>
   <p:notesMasterIdLst>
-    <p:notesMasterId r:id="rId15"/>
+    <p:notesMasterId r:id="rId14"/>
   </p:notesMasterIdLst>
   <p:sldIdLst>
     <p:sldId id="257" r:id="rId2"/>
-    <p:sldId id="287" r:id="rId3"/>
-    <p:sldId id="288" r:id="rId4"/>
-    <p:sldId id="268" r:id="rId5"/>
-    <p:sldId id="260" r:id="rId6"/>
-    <p:sldId id="261" r:id="rId7"/>
-    <p:sldId id="262" r:id="rId8"/>
-    <p:sldId id="263" r:id="rId9"/>
-    <p:sldId id="264" r:id="rId10"/>
-    <p:sldId id="265" r:id="rId11"/>
-    <p:sldId id="266" r:id="rId12"/>
-    <p:sldId id="270" r:id="rId13"/>
-    <p:sldId id="271" r:id="rId14"/>
+    <p:sldId id="288" r:id="rId3"/>
+    <p:sldId id="268" r:id="rId4"/>
+    <p:sldId id="260" r:id="rId5"/>
+    <p:sldId id="261" r:id="rId6"/>
+    <p:sldId id="262" r:id="rId7"/>
+    <p:sldId id="263" r:id="rId8"/>
+    <p:sldId id="264" r:id="rId9"/>
+    <p:sldId id="265" r:id="rId10"/>
+    <p:sldId id="266" r:id="rId11"/>
+    <p:sldId id="270" r:id="rId12"/>
+    <p:sldId id="271" r:id="rId13"/>
   </p:sldIdLst>
   <p:sldSz cx="12192000" cy="6858000"/>
   <p:notesSz cx="6858000" cy="9144000"/>
@@ -221,7 +220,7 @@
             <a:fld id="{85522811-C5C6-42D2-A409-F8556720C93F}" type="datetimeFigureOut">
               <a:rPr lang="uk-UA" smtClean="0"/>
               <a:pPr/>
-              <a:t>30.03.2020</a:t>
+              <a:t>31.03.2020</a:t>
             </a:fld>
             <a:endParaRPr lang="uk-UA"/>
           </a:p>
@@ -756,7 +755,7 @@
             <a:fld id="{E6FC6B0D-6115-4D7C-8040-9C8E2349BB6E}" type="datetime1">
               <a:rPr lang="uk-UA" smtClean="0"/>
               <a:pPr/>
-              <a:t>30.03.2020</a:t>
+              <a:t>31.03.2020</a:t>
             </a:fld>
             <a:endParaRPr lang="uk-UA"/>
           </a:p>
@@ -923,7 +922,7 @@
             <a:fld id="{996367BA-0A39-4DE2-BFC3-D5290044365E}" type="datetime1">
               <a:rPr lang="uk-UA" smtClean="0"/>
               <a:pPr/>
-              <a:t>30.03.2020</a:t>
+              <a:t>31.03.2020</a:t>
             </a:fld>
             <a:endParaRPr lang="uk-UA"/>
           </a:p>
@@ -1100,7 +1099,7 @@
             <a:fld id="{1BD6A67F-6C29-47DC-AF8A-FDB3C787DF70}" type="datetime1">
               <a:rPr lang="uk-UA" smtClean="0"/>
               <a:pPr/>
-              <a:t>30.03.2020</a:t>
+              <a:t>31.03.2020</a:t>
             </a:fld>
             <a:endParaRPr lang="uk-UA"/>
           </a:p>
@@ -1267,7 +1266,7 @@
             <a:fld id="{1657D9C5-7FF1-434F-B56E-9BAD559744E9}" type="datetime1">
               <a:rPr lang="uk-UA" smtClean="0"/>
               <a:pPr/>
-              <a:t>30.03.2020</a:t>
+              <a:t>31.03.2020</a:t>
             </a:fld>
             <a:endParaRPr lang="uk-UA"/>
           </a:p>
@@ -1510,7 +1509,7 @@
             <a:fld id="{2CEB0FC9-DE63-476B-A1A9-BE934D9049F8}" type="datetime1">
               <a:rPr lang="uk-UA" smtClean="0"/>
               <a:pPr/>
-              <a:t>30.03.2020</a:t>
+              <a:t>31.03.2020</a:t>
             </a:fld>
             <a:endParaRPr lang="uk-UA"/>
           </a:p>
@@ -1795,7 +1794,7 @@
             <a:fld id="{F964460F-86E2-4DF6-9D0F-12F5005CF375}" type="datetime1">
               <a:rPr lang="uk-UA" smtClean="0"/>
               <a:pPr/>
-              <a:t>30.03.2020</a:t>
+              <a:t>31.03.2020</a:t>
             </a:fld>
             <a:endParaRPr lang="uk-UA"/>
           </a:p>
@@ -2214,7 +2213,7 @@
             <a:fld id="{C521715E-DDCD-4267-B0A5-2918B6F6768A}" type="datetime1">
               <a:rPr lang="uk-UA" smtClean="0"/>
               <a:pPr/>
-              <a:t>30.03.2020</a:t>
+              <a:t>31.03.2020</a:t>
             </a:fld>
             <a:endParaRPr lang="uk-UA"/>
           </a:p>
@@ -2329,7 +2328,7 @@
             <a:fld id="{9289842C-EB2D-4EBB-A272-2F6A49D9794D}" type="datetime1">
               <a:rPr lang="uk-UA" smtClean="0"/>
               <a:pPr/>
-              <a:t>30.03.2020</a:t>
+              <a:t>31.03.2020</a:t>
             </a:fld>
             <a:endParaRPr lang="uk-UA"/>
           </a:p>
@@ -2421,7 +2420,7 @@
             <a:fld id="{D036F091-B700-4B52-99AC-85D0FD94D904}" type="datetime1">
               <a:rPr lang="uk-UA" smtClean="0"/>
               <a:pPr/>
-              <a:t>30.03.2020</a:t>
+              <a:t>31.03.2020</a:t>
             </a:fld>
             <a:endParaRPr lang="uk-UA"/>
           </a:p>
@@ -2695,7 +2694,7 @@
             <a:fld id="{B35DFABA-3811-4634-B803-2EAC4CD0063B}" type="datetime1">
               <a:rPr lang="uk-UA" smtClean="0"/>
               <a:pPr/>
-              <a:t>30.03.2020</a:t>
+              <a:t>31.03.2020</a:t>
             </a:fld>
             <a:endParaRPr lang="uk-UA"/>
           </a:p>
@@ -2945,7 +2944,7 @@
             <a:fld id="{8A9EA25E-F88E-463A-A119-D1E55A881002}" type="datetime1">
               <a:rPr lang="uk-UA" smtClean="0"/>
               <a:pPr/>
-              <a:t>30.03.2020</a:t>
+              <a:t>31.03.2020</a:t>
             </a:fld>
             <a:endParaRPr lang="uk-UA"/>
           </a:p>
@@ -3155,7 +3154,7 @@
             <a:fld id="{E708ED03-0080-49A2-B709-7DA4ACB3A1C3}" type="datetime1">
               <a:rPr lang="uk-UA" smtClean="0"/>
               <a:pPr/>
-              <a:t>30.03.2020</a:t>
+              <a:t>31.03.2020</a:t>
             </a:fld>
             <a:endParaRPr lang="uk-UA"/>
           </a:p>
@@ -3570,15 +3569,7 @@
                   <a:schemeClr val="bg1"/>
                 </a:solidFill>
               </a:rPr>
-              <a:t>Основы и принципы </a:t>
-            </a:r>
-            <a:r>
-              <a:rPr lang="ru-RU" sz="4800" b="1" dirty="0" smtClean="0">
-                <a:solidFill>
-                  <a:schemeClr val="bg1"/>
-                </a:solidFill>
-              </a:rPr>
-              <a:t>к</a:t>
+              <a:t>Основы и принципы к</a:t>
             </a:r>
             <a:r>
               <a:rPr lang="uk-UA" sz="4800" b="1" dirty="0" err="1" smtClean="0">
@@ -3773,7 +3764,7 @@
         </p:nvSpPr>
         <p:spPr>
           <a:xfrm>
-            <a:off x="11208568" y="6093296"/>
+            <a:off x="11152087" y="6165304"/>
             <a:ext cx="648072" cy="432048"/>
           </a:xfrm>
           <a:prstGeom prst="roundRect">
@@ -3841,8 +3832,8 @@
         </p:nvSpPr>
         <p:spPr>
           <a:xfrm>
-            <a:off x="5221787" y="215064"/>
-            <a:ext cx="1892442" cy="584775"/>
+            <a:off x="0" y="188640"/>
+            <a:ext cx="12192000" cy="584775"/>
           </a:xfrm>
           <a:prstGeom prst="rect">
             <a:avLst/>
@@ -3850,30 +3841,57 @@
           <a:noFill/>
         </p:spPr>
         <p:txBody>
-          <a:bodyPr wrap="none" rtlCol="0">
+          <a:bodyPr wrap="square" rtlCol="0">
             <a:spAutoFit/>
           </a:bodyPr>
           <a:lstStyle/>
           <a:p>
             <a:pPr algn="ctr"/>
             <a:r>
-              <a:rPr lang="en-US" sz="3200" b="1" dirty="0"/>
-              <a:t>Node-RSA</a:t>
-            </a:r>
-            <a:endParaRPr lang="ru-RU" sz="3200" b="1" dirty="0"/>
-          </a:p>
-        </p:txBody>
-      </p:sp>
-      <p:sp>
-        <p:nvSpPr>
-          <p:cNvPr id="2" name="TextBox 1"/>
+              <a:rPr lang="ru-RU" sz="3200" b="1" dirty="0"/>
+              <a:t>Хеширование</a:t>
+            </a:r>
+          </a:p>
+        </p:txBody>
+      </p:sp>
+      <p:sp>
+        <p:nvSpPr>
+          <p:cNvPr id="2" name="Прямоугольник 1"/>
+          <p:cNvSpPr/>
+          <p:nvPr/>
+        </p:nvSpPr>
+        <p:spPr>
+          <a:xfrm>
+            <a:off x="2035311" y="3068960"/>
+            <a:ext cx="8800503" cy="1200329"/>
+          </a:xfrm>
+          <a:prstGeom prst="rect">
+            <a:avLst/>
+          </a:prstGeom>
+        </p:spPr>
+        <p:txBody>
+          <a:bodyPr wrap="square">
+            <a:spAutoFit/>
+          </a:bodyPr>
+          <a:lstStyle/>
+          <a:p>
+            <a:r>
+              <a:rPr lang="ru-RU" sz="2400" dirty="0"/>
+              <a:t>Преобразование входного набора данных любого (как правило большого) размера в данные фиксированного размера. Существует множество алгоритмов хеширования.</a:t>
+            </a:r>
+          </a:p>
+        </p:txBody>
+      </p:sp>
+      <p:sp>
+        <p:nvSpPr>
+          <p:cNvPr id="5" name="TextBox 4"/>
           <p:cNvSpPr txBox="1"/>
           <p:nvPr/>
         </p:nvSpPr>
         <p:spPr>
           <a:xfrm>
-            <a:off x="1991544" y="4424626"/>
-            <a:ext cx="8352928" cy="830997"/>
+            <a:off x="1070967" y="1052736"/>
+            <a:ext cx="10729192" cy="369332"/>
           </a:xfrm>
           <a:prstGeom prst="rect">
             <a:avLst/>
@@ -3886,61 +3904,144 @@
           </a:bodyPr>
           <a:lstStyle/>
           <a:p>
-            <a:pPr algn="ctr"/>
-            <a:r>
-              <a:rPr lang="ru-RU" sz="2000" dirty="0"/>
-              <a:t>В </a:t>
-            </a:r>
-            <a:r>
-              <a:rPr lang="en-US" sz="2400" b="1" dirty="0"/>
-              <a:t>NPM’</a:t>
-            </a:r>
-            <a:r>
-              <a:rPr lang="ru-RU" sz="2400" dirty="0"/>
-              <a:t>е есть модуль </a:t>
-            </a:r>
-            <a:r>
-              <a:rPr lang="en-US" sz="2400" b="1" dirty="0"/>
-              <a:t>node-</a:t>
-            </a:r>
-            <a:r>
-              <a:rPr lang="en-US" sz="2400" b="1" dirty="0" err="1"/>
-              <a:t>rsa</a:t>
-            </a:r>
-            <a:r>
-              <a:rPr lang="en-US" sz="2400" dirty="0"/>
-              <a:t> </a:t>
-            </a:r>
-            <a:r>
-              <a:rPr lang="ru-RU" sz="2400" dirty="0"/>
-              <a:t>содержащий всё необходимо для шифрования/дешифрования по алгоритму </a:t>
-            </a:r>
-            <a:r>
-              <a:rPr lang="en-US" sz="2400" b="1" dirty="0"/>
-              <a:t>RSA</a:t>
-            </a:r>
-            <a:r>
-              <a:rPr lang="en-US" sz="2400" dirty="0"/>
-              <a:t>.</a:t>
-            </a:r>
-            <a:endParaRPr lang="ru-RU" sz="2400" dirty="0"/>
-          </a:p>
-        </p:txBody>
-      </p:sp>
-      <p:sp>
-        <p:nvSpPr>
-          <p:cNvPr id="5" name="Прямоугольник 4"/>
-          <p:cNvSpPr/>
+            <a:r>
+              <a:rPr lang="en-US" dirty="0"/>
+              <a:t>Hello world!!</a:t>
+            </a:r>
+            <a:r>
+              <a:rPr lang="en-US" b="1" dirty="0">
+                <a:solidFill>
+                  <a:srgbClr val="FF0000"/>
+                </a:solidFill>
+              </a:rPr>
+              <a:t>!</a:t>
+            </a:r>
+            <a:r>
+              <a:rPr lang="en-US" dirty="0"/>
+              <a:t> =&gt; </a:t>
+            </a:r>
+            <a:r>
+              <a:rPr lang="en-US" b="1" dirty="0"/>
+              <a:t>(SHA256) </a:t>
+            </a:r>
+            <a:r>
+              <a:rPr lang="en-US" dirty="0"/>
+              <a:t>=&gt; 4354dfda70c8f0d3991b9de3d56dcb6e9f2fc6c0316d235b63afeb388471ada4</a:t>
+            </a:r>
+            <a:endParaRPr lang="ru-RU" dirty="0"/>
+          </a:p>
+        </p:txBody>
+      </p:sp>
+      <p:sp>
+        <p:nvSpPr>
+          <p:cNvPr id="8" name="TextBox 7"/>
+          <p:cNvSpPr txBox="1"/>
           <p:nvPr/>
         </p:nvSpPr>
         <p:spPr>
           <a:xfrm>
-            <a:off x="2808819" y="5498068"/>
-            <a:ext cx="6718378" cy="523220"/>
+            <a:off x="1070967" y="1556792"/>
+            <a:ext cx="10081120" cy="369332"/>
           </a:xfrm>
           <a:prstGeom prst="rect">
             <a:avLst/>
           </a:prstGeom>
+          <a:noFill/>
+        </p:spPr>
+        <p:txBody>
+          <a:bodyPr wrap="square" rtlCol="0">
+            <a:spAutoFit/>
+          </a:bodyPr>
+          <a:lstStyle/>
+          <a:p>
+            <a:r>
+              <a:rPr lang="en-US" dirty="0"/>
+              <a:t>Hello world!! =&gt; </a:t>
+            </a:r>
+            <a:r>
+              <a:rPr lang="en-US" b="1" dirty="0"/>
+              <a:t>(SHA256) </a:t>
+            </a:r>
+            <a:r>
+              <a:rPr lang="en-US" dirty="0"/>
+              <a:t>=&gt; bbca77170621e018f9b8d17c850d2c7efe3cf9998cf741edf8e7dffbaeeb160e</a:t>
+            </a:r>
+            <a:endParaRPr lang="ru-RU" dirty="0"/>
+          </a:p>
+        </p:txBody>
+      </p:sp>
+      <p:sp>
+        <p:nvSpPr>
+          <p:cNvPr id="6" name="Прямоугольник 5"/>
+          <p:cNvSpPr/>
+          <p:nvPr/>
+        </p:nvSpPr>
+        <p:spPr>
+          <a:xfrm>
+            <a:off x="2423591" y="2132856"/>
+            <a:ext cx="7200801" cy="707886"/>
+          </a:xfrm>
+          <a:prstGeom prst="rect">
+            <a:avLst/>
+          </a:prstGeom>
+          <a:solidFill>
+            <a:schemeClr val="accent1">
+              <a:lumMod val="20000"/>
+              <a:lumOff val="80000"/>
+            </a:schemeClr>
+          </a:solidFill>
+          <a:ln w="28575">
+            <a:solidFill>
+              <a:srgbClr val="00B0F0"/>
+            </a:solidFill>
+          </a:ln>
+        </p:spPr>
+        <p:txBody>
+          <a:bodyPr wrap="square">
+            <a:spAutoFit/>
+          </a:bodyPr>
+          <a:lstStyle/>
+          <a:p>
+            <a:pPr algn="ctr"/>
+            <a:r>
+              <a:rPr lang="ru-RU" sz="2000" i="1" dirty="0"/>
+              <a:t>Хеширование по алгоритму </a:t>
+            </a:r>
+            <a:r>
+              <a:rPr lang="en-US" sz="2000" i="1" dirty="0"/>
+              <a:t>SHA256 </a:t>
+            </a:r>
+            <a:r>
+              <a:rPr lang="ru-RU" sz="2000" i="1" dirty="0"/>
+              <a:t>(калькулятор): </a:t>
+            </a:r>
+          </a:p>
+          <a:p>
+            <a:pPr algn="ctr"/>
+            <a:r>
+              <a:rPr lang="ru-RU" sz="2000" i="1" dirty="0">
+                <a:hlinkClick r:id="rId2"/>
+              </a:rPr>
+              <a:t>http://www.xorbin.com/tools/sha256-hash-calculator</a:t>
+            </a:r>
+            <a:endParaRPr lang="ru-RU" sz="2000" i="1" dirty="0"/>
+          </a:p>
+        </p:txBody>
+      </p:sp>
+      <p:sp>
+        <p:nvSpPr>
+          <p:cNvPr id="4" name="Прямоугольник 3"/>
+          <p:cNvSpPr/>
+          <p:nvPr/>
+        </p:nvSpPr>
+        <p:spPr>
+          <a:xfrm>
+            <a:off x="3126084" y="4365104"/>
+            <a:ext cx="5939831" cy="461665"/>
+          </a:xfrm>
+          <a:prstGeom prst="rect">
+            <a:avLst/>
+          </a:prstGeom>
         </p:spPr>
         <p:txBody>
           <a:bodyPr wrap="none">
@@ -3949,69 +4050,120 @@
           <a:lstStyle/>
           <a:p>
             <a:r>
-              <a:rPr lang="ru-RU" sz="2800" b="1" dirty="0">
-                <a:hlinkClick r:id="rId2"/>
+              <a:rPr lang="ru-RU" sz="2400" b="1" dirty="0">
+                <a:hlinkClick r:id="rId3"/>
               </a:rPr>
-              <a:t>https://www.npmjs.com/package/node-rsa</a:t>
-            </a:r>
-            <a:endParaRPr lang="ru-RU" sz="2800" b="1" dirty="0"/>
-          </a:p>
-        </p:txBody>
-      </p:sp>
-      <p:pic>
-        <p:nvPicPr>
-          <p:cNvPr id="1026" name="Picture 2" descr="https://www.budgetbanque.fr/data/wp-content/uploads/2018/12/rsa-definition.png"/>
-          <p:cNvPicPr>
-            <a:picLocks noChangeAspect="1" noChangeArrowheads="1"/>
-          </p:cNvPicPr>
+              <a:t>https://ru.wikipedia.org/wiki/Хеширование</a:t>
+            </a:r>
+            <a:endParaRPr lang="ru-RU" sz="2400" b="1" dirty="0"/>
+          </a:p>
+        </p:txBody>
+      </p:sp>
+      <p:sp>
+        <p:nvSpPr>
+          <p:cNvPr id="9" name="TextBox 8"/>
+          <p:cNvSpPr txBox="1"/>
           <p:nvPr/>
-        </p:nvPicPr>
-        <p:blipFill>
-          <a:blip r:embed="rId3">
-            <a:extLst>
-              <a:ext uri="{28A0092B-C50C-407E-A947-70E740481C1C}">
-                <a14:useLocalDpi xmlns:a14="http://schemas.microsoft.com/office/drawing/2010/main" val="0"/>
-              </a:ext>
-            </a:extLst>
-          </a:blip>
-          <a:srcRect/>
-          <a:stretch>
-            <a:fillRect/>
-          </a:stretch>
-        </p:blipFill>
-        <p:spPr bwMode="auto">
-          <a:xfrm>
-            <a:off x="3794956" y="908720"/>
-            <a:ext cx="4746104" cy="3138362"/>
+        </p:nvSpPr>
+        <p:spPr>
+          <a:xfrm>
+            <a:off x="2000374" y="4902259"/>
+            <a:ext cx="8352928" cy="830997"/>
           </a:xfrm>
           <a:prstGeom prst="rect">
             <a:avLst/>
           </a:prstGeom>
-          <a:ln>
-            <a:noFill/>
-          </a:ln>
-          <a:effectLst>
-            <a:outerShdw blurRad="292100" dist="139700" dir="2700000" algn="tl" rotWithShape="0">
-              <a:srgbClr val="333333">
-                <a:alpha val="65000"/>
-              </a:srgbClr>
-            </a:outerShdw>
-          </a:effectLst>
-          <a:extLst>
-            <a:ext uri="{909E8E84-426E-40DD-AFC4-6F175D3DCCD1}">
-              <a14:hiddenFill xmlns:a14="http://schemas.microsoft.com/office/drawing/2010/main">
-                <a:solidFill>
-                  <a:srgbClr val="FFFFFF"/>
-                </a:solidFill>
-              </a14:hiddenFill>
-            </a:ext>
-          </a:extLst>
-        </p:spPr>
-      </p:pic>
+          <a:noFill/>
+        </p:spPr>
+        <p:txBody>
+          <a:bodyPr wrap="square" rtlCol="0">
+            <a:spAutoFit/>
+          </a:bodyPr>
+          <a:lstStyle/>
+          <a:p>
+            <a:pPr algn="ctr"/>
+            <a:r>
+              <a:rPr lang="ru-RU" sz="2000" i="1" dirty="0"/>
+              <a:t>В </a:t>
+            </a:r>
+            <a:r>
+              <a:rPr lang="en-US" sz="2400" b="1" i="1" dirty="0"/>
+              <a:t>NPM’</a:t>
+            </a:r>
+            <a:r>
+              <a:rPr lang="ru-RU" sz="2400" i="1" dirty="0"/>
+              <a:t>е есть модуль </a:t>
+            </a:r>
+            <a:r>
+              <a:rPr lang="en-US" sz="2400" b="1" i="1" dirty="0"/>
+              <a:t>sha256</a:t>
+            </a:r>
+            <a:r>
+              <a:rPr lang="en-US" sz="2400" i="1" dirty="0"/>
+              <a:t> </a:t>
+            </a:r>
+            <a:r>
+              <a:rPr lang="ru-RU" sz="2400" i="1" dirty="0"/>
+              <a:t>функцию выполняющую расчёт </a:t>
+            </a:r>
+            <a:r>
+              <a:rPr lang="ru-RU" sz="2400" i="1" dirty="0" err="1"/>
+              <a:t>хеша</a:t>
+            </a:r>
+            <a:r>
+              <a:rPr lang="ru-RU" sz="2400" i="1" dirty="0"/>
+              <a:t> по указанному алгоритму.</a:t>
+            </a:r>
+          </a:p>
+        </p:txBody>
+      </p:sp>
+      <p:sp>
+        <p:nvSpPr>
+          <p:cNvPr id="10" name="Прямоугольник 9"/>
+          <p:cNvSpPr/>
+          <p:nvPr/>
+        </p:nvSpPr>
+        <p:spPr>
+          <a:xfrm>
+            <a:off x="2817650" y="5949280"/>
+            <a:ext cx="6810903" cy="523220"/>
+          </a:xfrm>
+          <a:prstGeom prst="rect">
+            <a:avLst/>
+          </a:prstGeom>
+        </p:spPr>
+        <p:txBody>
+          <a:bodyPr wrap="none">
+            <a:spAutoFit/>
+          </a:bodyPr>
+          <a:lstStyle/>
+          <a:p>
+            <a:r>
+              <a:rPr lang="ru-RU" sz="2800" b="1" dirty="0">
+                <a:hlinkClick r:id="rId4"/>
+              </a:rPr>
+              <a:t>https://</a:t>
+            </a:r>
+            <a:r>
+              <a:rPr lang="ru-RU" sz="2800" b="1" dirty="0" smtClean="0">
+                <a:hlinkClick r:id="rId4"/>
+              </a:rPr>
+              <a:t>www.npmjs.com/package/</a:t>
+            </a:r>
+            <a:r>
+              <a:rPr lang="en-US" sz="2800" b="1" dirty="0" smtClean="0">
+                <a:hlinkClick r:id="rId4"/>
+              </a:rPr>
+              <a:t>js-sha256</a:t>
+            </a:r>
+            <a:endParaRPr lang="ru-RU" sz="2800" b="1" dirty="0"/>
+          </a:p>
+        </p:txBody>
+      </p:sp>
     </p:spTree>
     <p:extLst>
       <p:ext uri="{BB962C8B-B14F-4D97-AF65-F5344CB8AC3E}">
-        <p14:creationId xmlns:p14="http://schemas.microsoft.com/office/powerpoint/2010/main" val="884617881"/>
+        <p14:creationId xmlns:p14="http://schemas.microsoft.com/office/powerpoint/2010/main" val="2169758942"/>
       </p:ext>
     </p:extLst>
   </p:cSld>
@@ -4055,7 +4207,7 @@
         </p:nvSpPr>
         <p:spPr>
           <a:xfrm>
-            <a:off x="11152087" y="6165304"/>
+            <a:off x="11280576" y="6133946"/>
             <a:ext cx="648072" cy="432048"/>
           </a:xfrm>
           <a:prstGeom prst="roundRect">
@@ -4123,8 +4275,8 @@
         </p:nvSpPr>
         <p:spPr>
           <a:xfrm>
-            <a:off x="0" y="188640"/>
-            <a:ext cx="12192000" cy="584775"/>
+            <a:off x="4439816" y="188641"/>
+            <a:ext cx="3598486" cy="584775"/>
           </a:xfrm>
           <a:prstGeom prst="rect">
             <a:avLst/>
@@ -4132,7 +4284,7 @@
           <a:noFill/>
         </p:spPr>
         <p:txBody>
-          <a:bodyPr wrap="square" rtlCol="0">
+          <a:bodyPr wrap="none" rtlCol="0">
             <a:spAutoFit/>
           </a:bodyPr>
           <a:lstStyle/>
@@ -4140,49 +4292,73 @@
             <a:pPr algn="ctr"/>
             <a:r>
               <a:rPr lang="ru-RU" sz="3200" b="1" dirty="0"/>
-              <a:t>Хеширование</a:t>
-            </a:r>
-          </a:p>
-        </p:txBody>
-      </p:sp>
-      <p:sp>
-        <p:nvSpPr>
-          <p:cNvPr id="2" name="Прямоугольник 1"/>
-          <p:cNvSpPr/>
+              <a:t>Цифровая подпись</a:t>
+            </a:r>
+          </a:p>
+        </p:txBody>
+      </p:sp>
+      <p:pic>
+        <p:nvPicPr>
+          <p:cNvPr id="1026" name="Picture 2" descr="http://energyland.info/img/xin/digitalsignature.jpg"/>
+          <p:cNvPicPr>
+            <a:picLocks noChangeAspect="1" noChangeArrowheads="1"/>
+          </p:cNvPicPr>
           <p:nvPr/>
-        </p:nvSpPr>
-        <p:spPr>
-          <a:xfrm>
-            <a:off x="2035311" y="3068960"/>
-            <a:ext cx="8800503" cy="1200329"/>
+        </p:nvPicPr>
+        <p:blipFill rotWithShape="1">
+          <a:blip r:embed="rId2">
+            <a:extLst>
+              <a:ext uri="{28A0092B-C50C-407E-A947-70E740481C1C}">
+                <a14:useLocalDpi xmlns:a14="http://schemas.microsoft.com/office/drawing/2010/main" val="0"/>
+              </a:ext>
+            </a:extLst>
+          </a:blip>
+          <a:srcRect l="3063" t="1795" r="446" b="1163"/>
+          <a:stretch/>
+        </p:blipFill>
+        <p:spPr bwMode="auto">
+          <a:xfrm>
+            <a:off x="2352452" y="1017112"/>
+            <a:ext cx="7812000" cy="3420000"/>
           </a:xfrm>
           <a:prstGeom prst="rect">
             <a:avLst/>
           </a:prstGeom>
-        </p:spPr>
-        <p:txBody>
-          <a:bodyPr wrap="square">
-            <a:spAutoFit/>
-          </a:bodyPr>
-          <a:lstStyle/>
-          <a:p>
-            <a:r>
-              <a:rPr lang="ru-RU" sz="2400" dirty="0"/>
-              <a:t>Преобразование входного набора данных любого (как правило большого) размера в данные фиксированного размера. Существует множество алгоритмов хеширования.</a:t>
-            </a:r>
-          </a:p>
-        </p:txBody>
-      </p:sp>
-      <p:sp>
-        <p:nvSpPr>
-          <p:cNvPr id="5" name="TextBox 4"/>
+          <a:ln>
+            <a:solidFill>
+              <a:schemeClr val="bg1">
+                <a:lumMod val="85000"/>
+              </a:schemeClr>
+            </a:solidFill>
+          </a:ln>
+          <a:effectLst>
+            <a:outerShdw blurRad="292100" dist="139700" dir="2700000" algn="tl" rotWithShape="0">
+              <a:srgbClr val="333333">
+                <a:alpha val="65000"/>
+              </a:srgbClr>
+            </a:outerShdw>
+          </a:effectLst>
+          <a:extLst>
+            <a:ext uri="{909E8E84-426E-40DD-AFC4-6F175D3DCCD1}">
+              <a14:hiddenFill xmlns:a14="http://schemas.microsoft.com/office/drawing/2010/main">
+                <a:solidFill>
+                  <a:srgbClr val="FFFFFF"/>
+                </a:solidFill>
+              </a14:hiddenFill>
+            </a:ext>
+          </a:extLst>
+        </p:spPr>
+      </p:pic>
+      <p:sp>
+        <p:nvSpPr>
+          <p:cNvPr id="9" name="TextBox 8"/>
           <p:cNvSpPr txBox="1"/>
           <p:nvPr/>
         </p:nvSpPr>
         <p:spPr>
           <a:xfrm>
-            <a:off x="1070967" y="1052736"/>
-            <a:ext cx="10729192" cy="369332"/>
+            <a:off x="2352453" y="4797152"/>
+            <a:ext cx="7812000" cy="923330"/>
           </a:xfrm>
           <a:prstGeom prst="rect">
             <a:avLst/>
@@ -4195,97 +4371,32 @@
           </a:bodyPr>
           <a:lstStyle/>
           <a:p>
-            <a:r>
-              <a:rPr lang="en-US" dirty="0"/>
-              <a:t>Hello world!!</a:t>
-            </a:r>
-            <a:r>
-              <a:rPr lang="en-US" b="1" dirty="0">
-                <a:solidFill>
-                  <a:srgbClr val="FF0000"/>
-                </a:solidFill>
-              </a:rPr>
-              <a:t>!</a:t>
-            </a:r>
-            <a:r>
-              <a:rPr lang="en-US" dirty="0"/>
-              <a:t> =&gt; </a:t>
-            </a:r>
-            <a:r>
-              <a:rPr lang="en-US" b="1" dirty="0"/>
-              <a:t>(SHA256) </a:t>
-            </a:r>
-            <a:r>
-              <a:rPr lang="en-US" dirty="0"/>
-              <a:t>=&gt; 4354dfda70c8f0d3991b9de3d56dcb6e9f2fc6c0316d235b63afeb388471ada4</a:t>
-            </a:r>
-            <a:endParaRPr lang="ru-RU" dirty="0"/>
-          </a:p>
-        </p:txBody>
-      </p:sp>
-      <p:sp>
-        <p:nvSpPr>
-          <p:cNvPr id="8" name="TextBox 7"/>
-          <p:cNvSpPr txBox="1"/>
+            <a:pPr algn="just"/>
+            <a:r>
+              <a:rPr lang="ru-RU" b="1" i="1" dirty="0"/>
+              <a:t>Цифровая подпись </a:t>
+            </a:r>
+            <a:r>
+              <a:rPr lang="ru-RU" i="1" dirty="0"/>
+              <a:t>– технология на базе хеширования и ассиметричного шифрования задача которой подтвердить достоверность передаваемых данных от отправителя к получателю.</a:t>
+            </a:r>
+          </a:p>
+        </p:txBody>
+      </p:sp>
+      <p:sp>
+        <p:nvSpPr>
+          <p:cNvPr id="10" name="Прямоугольник 9"/>
+          <p:cNvSpPr/>
           <p:nvPr/>
         </p:nvSpPr>
         <p:spPr>
           <a:xfrm>
-            <a:off x="1070967" y="1556792"/>
-            <a:ext cx="10081120" cy="369332"/>
+            <a:off x="2352452" y="5949280"/>
+            <a:ext cx="7811999" cy="369332"/>
           </a:xfrm>
           <a:prstGeom prst="rect">
             <a:avLst/>
           </a:prstGeom>
-          <a:noFill/>
-        </p:spPr>
-        <p:txBody>
-          <a:bodyPr wrap="square" rtlCol="0">
-            <a:spAutoFit/>
-          </a:bodyPr>
-          <a:lstStyle/>
-          <a:p>
-            <a:r>
-              <a:rPr lang="en-US" dirty="0"/>
-              <a:t>Hello world!! =&gt; </a:t>
-            </a:r>
-            <a:r>
-              <a:rPr lang="en-US" b="1" dirty="0"/>
-              <a:t>(SHA256) </a:t>
-            </a:r>
-            <a:r>
-              <a:rPr lang="en-US" dirty="0"/>
-              <a:t>=&gt; bbca77170621e018f9b8d17c850d2c7efe3cf9998cf741edf8e7dffbaeeb160e</a:t>
-            </a:r>
-            <a:endParaRPr lang="ru-RU" dirty="0"/>
-          </a:p>
-        </p:txBody>
-      </p:sp>
-      <p:sp>
-        <p:nvSpPr>
-          <p:cNvPr id="6" name="Прямоугольник 5"/>
-          <p:cNvSpPr/>
-          <p:nvPr/>
-        </p:nvSpPr>
-        <p:spPr>
-          <a:xfrm>
-            <a:off x="2423591" y="2132856"/>
-            <a:ext cx="7200801" cy="707886"/>
-          </a:xfrm>
-          <a:prstGeom prst="rect">
-            <a:avLst/>
-          </a:prstGeom>
-          <a:solidFill>
-            <a:schemeClr val="accent1">
-              <a:lumMod val="20000"/>
-              <a:lumOff val="80000"/>
-            </a:schemeClr>
-          </a:solidFill>
-          <a:ln w="28575">
-            <a:solidFill>
-              <a:srgbClr val="00B0F0"/>
-            </a:solidFill>
-          </a:ln>
         </p:spPr>
         <p:txBody>
           <a:bodyPr wrap="square">
@@ -4295,166 +4406,19 @@
           <a:p>
             <a:pPr algn="ctr"/>
             <a:r>
-              <a:rPr lang="ru-RU" sz="2000" i="1" dirty="0"/>
-              <a:t>Хеширование по алгоритму </a:t>
-            </a:r>
-            <a:r>
-              <a:rPr lang="en-US" sz="2000" i="1" dirty="0"/>
-              <a:t>SHA256 </a:t>
-            </a:r>
-            <a:r>
-              <a:rPr lang="ru-RU" sz="2000" i="1" dirty="0"/>
-              <a:t>(калькулятор): </a:t>
-            </a:r>
-          </a:p>
-          <a:p>
-            <a:pPr algn="ctr"/>
-            <a:r>
-              <a:rPr lang="ru-RU" sz="2000" i="1" dirty="0">
-                <a:hlinkClick r:id="rId2"/>
-              </a:rPr>
-              <a:t>http://www.xorbin.com/tools/sha256-hash-calculator</a:t>
-            </a:r>
-            <a:endParaRPr lang="ru-RU" sz="2000" i="1" dirty="0"/>
-          </a:p>
-        </p:txBody>
-      </p:sp>
-      <p:sp>
-        <p:nvSpPr>
-          <p:cNvPr id="4" name="Прямоугольник 3"/>
-          <p:cNvSpPr/>
-          <p:nvPr/>
-        </p:nvSpPr>
-        <p:spPr>
-          <a:xfrm>
-            <a:off x="3126084" y="4365104"/>
-            <a:ext cx="5939831" cy="461665"/>
-          </a:xfrm>
-          <a:prstGeom prst="rect">
-            <a:avLst/>
-          </a:prstGeom>
-        </p:spPr>
-        <p:txBody>
-          <a:bodyPr wrap="none">
-            <a:spAutoFit/>
-          </a:bodyPr>
-          <a:lstStyle/>
-          <a:p>
-            <a:r>
-              <a:rPr lang="ru-RU" sz="2400" b="1" dirty="0">
+              <a:rPr lang="ru-RU" b="1" dirty="0">
                 <a:hlinkClick r:id="rId3"/>
               </a:rPr>
-              <a:t>https://ru.wikipedia.org/wiki/Хеширование</a:t>
-            </a:r>
-            <a:endParaRPr lang="ru-RU" sz="2400" b="1" dirty="0"/>
-          </a:p>
-        </p:txBody>
-      </p:sp>
-      <p:sp>
-        <p:nvSpPr>
-          <p:cNvPr id="9" name="TextBox 8"/>
-          <p:cNvSpPr txBox="1"/>
-          <p:nvPr/>
-        </p:nvSpPr>
-        <p:spPr>
-          <a:xfrm>
-            <a:off x="2000374" y="4902259"/>
-            <a:ext cx="8352928" cy="830997"/>
-          </a:xfrm>
-          <a:prstGeom prst="rect">
-            <a:avLst/>
-          </a:prstGeom>
-          <a:noFill/>
-        </p:spPr>
-        <p:txBody>
-          <a:bodyPr wrap="square" rtlCol="0">
-            <a:spAutoFit/>
-          </a:bodyPr>
-          <a:lstStyle/>
-          <a:p>
-            <a:pPr algn="ctr"/>
-            <a:r>
-              <a:rPr lang="ru-RU" sz="2000" i="1" dirty="0"/>
-              <a:t>В </a:t>
-            </a:r>
-            <a:r>
-              <a:rPr lang="en-US" sz="2400" b="1" i="1" dirty="0"/>
-              <a:t>NPM’</a:t>
-            </a:r>
-            <a:r>
-              <a:rPr lang="ru-RU" sz="2400" i="1" dirty="0"/>
-              <a:t>е есть модуль </a:t>
-            </a:r>
-            <a:r>
-              <a:rPr lang="en-US" sz="2400" b="1" i="1" dirty="0"/>
-              <a:t>sha256</a:t>
-            </a:r>
-            <a:r>
-              <a:rPr lang="en-US" sz="2400" i="1" dirty="0"/>
-              <a:t> </a:t>
-            </a:r>
-            <a:r>
-              <a:rPr lang="ru-RU" sz="2400" i="1" dirty="0"/>
-              <a:t>функцию выполняющую расчёт </a:t>
-            </a:r>
-            <a:r>
-              <a:rPr lang="ru-RU" sz="2400" i="1" dirty="0" err="1"/>
-              <a:t>хеша</a:t>
-            </a:r>
-            <a:r>
-              <a:rPr lang="ru-RU" sz="2400" i="1" dirty="0"/>
-              <a:t> по указанному алгоритму.</a:t>
-            </a:r>
-          </a:p>
-        </p:txBody>
-      </p:sp>
-      <p:sp>
-        <p:nvSpPr>
-          <p:cNvPr id="10" name="Прямоугольник 9"/>
-          <p:cNvSpPr/>
-          <p:nvPr/>
-        </p:nvSpPr>
-        <p:spPr>
-          <a:xfrm>
-            <a:off x="2817650" y="5949280"/>
-            <a:ext cx="6810903" cy="523220"/>
-          </a:xfrm>
-          <a:prstGeom prst="rect">
-            <a:avLst/>
-          </a:prstGeom>
-        </p:spPr>
-        <p:txBody>
-          <a:bodyPr wrap="none">
-            <a:spAutoFit/>
-          </a:bodyPr>
-          <a:lstStyle/>
-          <a:p>
-            <a:r>
-              <a:rPr lang="ru-RU" sz="2800" b="1" dirty="0">
-                <a:hlinkClick r:id="rId4"/>
-              </a:rPr>
-              <a:t>https://</a:t>
-            </a:r>
-            <a:r>
-              <a:rPr lang="ru-RU" sz="2800" b="1" dirty="0" smtClean="0">
-                <a:hlinkClick r:id="rId4"/>
-              </a:rPr>
-              <a:t>www.npmjs.com/package/</a:t>
-            </a:r>
-            <a:r>
-              <a:rPr lang="en-US" sz="2800" b="1" dirty="0" smtClean="0">
-                <a:hlinkClick r:id="rId4"/>
-              </a:rPr>
-              <a:t>js-sha256</a:t>
-            </a:r>
-            <a:endParaRPr lang="ru-RU" sz="2800" b="1" dirty="0"/>
+              <a:t>https://ru.wikipedia.org/wiki/Электронная_подпись</a:t>
+            </a:r>
+            <a:endParaRPr lang="ru-RU" b="1" dirty="0"/>
           </a:p>
         </p:txBody>
       </p:sp>
     </p:spTree>
     <p:extLst>
       <p:ext uri="{BB962C8B-B14F-4D97-AF65-F5344CB8AC3E}">
-        <p14:creationId xmlns:p14="http://schemas.microsoft.com/office/powerpoint/2010/main" val="2169758942"/>
+        <p14:creationId xmlns:p14="http://schemas.microsoft.com/office/powerpoint/2010/main" val="3452986138"/>
       </p:ext>
     </p:extLst>
   </p:cSld>
@@ -4498,7 +4462,7 @@
         </p:nvSpPr>
         <p:spPr>
           <a:xfrm>
-            <a:off x="11280576" y="6133946"/>
+            <a:off x="11208568" y="6167791"/>
             <a:ext cx="648072" cy="432048"/>
           </a:xfrm>
           <a:prstGeom prst="roundRect">
@@ -4547,261 +4511,6 @@
                 <a:defRPr/>
               </a:pPr>
               <a:t>12</a:t>
-            </a:fld>
-            <a:endParaRPr lang="uk-UA" sz="2400" b="1" dirty="0">
-              <a:solidFill>
-                <a:schemeClr val="bg1">
-                  <a:lumMod val="50000"/>
-                </a:schemeClr>
-              </a:solidFill>
-            </a:endParaRPr>
-          </a:p>
-        </p:txBody>
-      </p:sp>
-      <p:sp>
-        <p:nvSpPr>
-          <p:cNvPr id="3" name="TextBox 2"/>
-          <p:cNvSpPr txBox="1"/>
-          <p:nvPr/>
-        </p:nvSpPr>
-        <p:spPr>
-          <a:xfrm>
-            <a:off x="4439816" y="188641"/>
-            <a:ext cx="3598486" cy="584775"/>
-          </a:xfrm>
-          <a:prstGeom prst="rect">
-            <a:avLst/>
-          </a:prstGeom>
-          <a:noFill/>
-        </p:spPr>
-        <p:txBody>
-          <a:bodyPr wrap="none" rtlCol="0">
-            <a:spAutoFit/>
-          </a:bodyPr>
-          <a:lstStyle/>
-          <a:p>
-            <a:pPr algn="ctr"/>
-            <a:r>
-              <a:rPr lang="ru-RU" sz="3200" b="1" dirty="0"/>
-              <a:t>Цифровая подпись</a:t>
-            </a:r>
-          </a:p>
-        </p:txBody>
-      </p:sp>
-      <p:pic>
-        <p:nvPicPr>
-          <p:cNvPr id="1026" name="Picture 2" descr="http://energyland.info/img/xin/digitalsignature.jpg"/>
-          <p:cNvPicPr>
-            <a:picLocks noChangeAspect="1" noChangeArrowheads="1"/>
-          </p:cNvPicPr>
-          <p:nvPr/>
-        </p:nvPicPr>
-        <p:blipFill rotWithShape="1">
-          <a:blip r:embed="rId2">
-            <a:extLst>
-              <a:ext uri="{28A0092B-C50C-407E-A947-70E740481C1C}">
-                <a14:useLocalDpi xmlns:a14="http://schemas.microsoft.com/office/drawing/2010/main" val="0"/>
-              </a:ext>
-            </a:extLst>
-          </a:blip>
-          <a:srcRect l="3063" t="1795" r="446" b="1163"/>
-          <a:stretch/>
-        </p:blipFill>
-        <p:spPr bwMode="auto">
-          <a:xfrm>
-            <a:off x="2352452" y="1017112"/>
-            <a:ext cx="7812000" cy="3420000"/>
-          </a:xfrm>
-          <a:prstGeom prst="rect">
-            <a:avLst/>
-          </a:prstGeom>
-          <a:ln>
-            <a:solidFill>
-              <a:schemeClr val="bg1">
-                <a:lumMod val="85000"/>
-              </a:schemeClr>
-            </a:solidFill>
-          </a:ln>
-          <a:effectLst>
-            <a:outerShdw blurRad="292100" dist="139700" dir="2700000" algn="tl" rotWithShape="0">
-              <a:srgbClr val="333333">
-                <a:alpha val="65000"/>
-              </a:srgbClr>
-            </a:outerShdw>
-          </a:effectLst>
-          <a:extLst>
-            <a:ext uri="{909E8E84-426E-40DD-AFC4-6F175D3DCCD1}">
-              <a14:hiddenFill xmlns:a14="http://schemas.microsoft.com/office/drawing/2010/main">
-                <a:solidFill>
-                  <a:srgbClr val="FFFFFF"/>
-                </a:solidFill>
-              </a14:hiddenFill>
-            </a:ext>
-          </a:extLst>
-        </p:spPr>
-      </p:pic>
-      <p:sp>
-        <p:nvSpPr>
-          <p:cNvPr id="9" name="TextBox 8"/>
-          <p:cNvSpPr txBox="1"/>
-          <p:nvPr/>
-        </p:nvSpPr>
-        <p:spPr>
-          <a:xfrm>
-            <a:off x="2352453" y="4797152"/>
-            <a:ext cx="7812000" cy="923330"/>
-          </a:xfrm>
-          <a:prstGeom prst="rect">
-            <a:avLst/>
-          </a:prstGeom>
-          <a:noFill/>
-        </p:spPr>
-        <p:txBody>
-          <a:bodyPr wrap="square" rtlCol="0">
-            <a:spAutoFit/>
-          </a:bodyPr>
-          <a:lstStyle/>
-          <a:p>
-            <a:pPr algn="just"/>
-            <a:r>
-              <a:rPr lang="ru-RU" b="1" i="1" dirty="0"/>
-              <a:t>Цифровая подпись </a:t>
-            </a:r>
-            <a:r>
-              <a:rPr lang="ru-RU" i="1" dirty="0"/>
-              <a:t>– технология на базе хеширования и ассиметричного шифрования задача которой подтвердить достоверность передаваемых данных от отправителя к получателю.</a:t>
-            </a:r>
-          </a:p>
-        </p:txBody>
-      </p:sp>
-      <p:sp>
-        <p:nvSpPr>
-          <p:cNvPr id="10" name="Прямоугольник 9"/>
-          <p:cNvSpPr/>
-          <p:nvPr/>
-        </p:nvSpPr>
-        <p:spPr>
-          <a:xfrm>
-            <a:off x="2352452" y="5949280"/>
-            <a:ext cx="7811999" cy="369332"/>
-          </a:xfrm>
-          <a:prstGeom prst="rect">
-            <a:avLst/>
-          </a:prstGeom>
-        </p:spPr>
-        <p:txBody>
-          <a:bodyPr wrap="square">
-            <a:spAutoFit/>
-          </a:bodyPr>
-          <a:lstStyle/>
-          <a:p>
-            <a:pPr algn="ctr"/>
-            <a:r>
-              <a:rPr lang="ru-RU" b="1" dirty="0">
-                <a:hlinkClick r:id="rId3"/>
-              </a:rPr>
-              <a:t>https://ru.wikipedia.org/wiki/Электронная_подпись</a:t>
-            </a:r>
-            <a:endParaRPr lang="ru-RU" b="1" dirty="0"/>
-          </a:p>
-        </p:txBody>
-      </p:sp>
-    </p:spTree>
-    <p:extLst>
-      <p:ext uri="{BB962C8B-B14F-4D97-AF65-F5344CB8AC3E}">
-        <p14:creationId xmlns:p14="http://schemas.microsoft.com/office/powerpoint/2010/main" val="3452986138"/>
-      </p:ext>
-    </p:extLst>
-  </p:cSld>
-  <p:clrMapOvr>
-    <a:masterClrMapping/>
-  </p:clrMapOvr>
-  <p:timing>
-    <p:tnLst>
-      <p:par>
-        <p:cTn id="1" dur="indefinite" restart="never" nodeType="tmRoot"/>
-      </p:par>
-    </p:tnLst>
-  </p:timing>
-</p:sld>
-</file>
-
-<file path=ppt/slides/slide13.xml><?xml version="1.0" encoding="utf-8"?>
-<p:sld xmlns:a="http://schemas.openxmlformats.org/drawingml/2006/main" xmlns:r="http://schemas.openxmlformats.org/officeDocument/2006/relationships" xmlns:p="http://schemas.openxmlformats.org/presentationml/2006/main">
-  <p:cSld>
-    <p:spTree>
-      <p:nvGrpSpPr>
-        <p:cNvPr id="1" name=""/>
-        <p:cNvGrpSpPr/>
-        <p:nvPr/>
-      </p:nvGrpSpPr>
-      <p:grpSpPr>
-        <a:xfrm>
-          <a:off x="0" y="0"/>
-          <a:ext cx="0" cy="0"/>
-          <a:chOff x="0" y="0"/>
-          <a:chExt cx="0" cy="0"/>
-        </a:xfrm>
-      </p:grpSpPr>
-      <p:sp>
-        <p:nvSpPr>
-          <p:cNvPr id="7" name="Номер слайда 36"/>
-          <p:cNvSpPr txBox="1">
-            <a:spLocks/>
-          </p:cNvSpPr>
-          <p:nvPr/>
-        </p:nvSpPr>
-        <p:spPr>
-          <a:xfrm>
-            <a:off x="11208568" y="6167791"/>
-            <a:ext cx="648072" cy="432048"/>
-          </a:xfrm>
-          <a:prstGeom prst="roundRect">
-            <a:avLst/>
-          </a:prstGeom>
-          <a:ln w="25400" cap="flat" cmpd="sng" algn="ctr">
-            <a:solidFill>
-              <a:schemeClr val="tx2">
-                <a:lumMod val="60000"/>
-                <a:lumOff val="40000"/>
-              </a:schemeClr>
-            </a:solidFill>
-            <a:prstDash val="solid"/>
-          </a:ln>
-        </p:spPr>
-        <p:style>
-          <a:lnRef idx="2">
-            <a:schemeClr val="accent1"/>
-          </a:lnRef>
-          <a:fillRef idx="1">
-            <a:schemeClr val="lt1"/>
-          </a:fillRef>
-          <a:effectRef idx="0">
-            <a:schemeClr val="accent1"/>
-          </a:effectRef>
-          <a:fontRef idx="minor">
-            <a:schemeClr val="dk1"/>
-          </a:fontRef>
-        </p:style>
-        <p:txBody>
-          <a:bodyPr vert="horz" lIns="91440" tIns="45720" rIns="91440" bIns="45720" rtlCol="0" anchor="ctr"/>
-          <a:lstStyle/>
-          <a:p>
-            <a:pPr algn="ctr">
-              <a:defRPr/>
-            </a:pPr>
-            <a:fld id="{6389AA22-90B4-448C-8B6B-C699140D38B9}" type="slidenum">
-              <a:rPr lang="uk-UA" sz="2400" b="1">
-                <a:solidFill>
-                  <a:schemeClr val="bg1">
-                    <a:lumMod val="50000"/>
-                  </a:schemeClr>
-                </a:solidFill>
-              </a:rPr>
-              <a:pPr algn="ctr">
-                <a:defRPr/>
-              </a:pPr>
-              <a:t>13</a:t>
             </a:fld>
             <a:endParaRPr lang="uk-UA" sz="2400" b="1" dirty="0">
               <a:solidFill>
@@ -4987,63 +4696,287 @@
       </p:grpSpPr>
       <p:sp>
         <p:nvSpPr>
-          <p:cNvPr id="5" name="Прямоугольник 4"/>
-          <p:cNvSpPr/>
+          <p:cNvPr id="7" name="Номер слайда 36"/>
+          <p:cNvSpPr txBox="1">
+            <a:spLocks/>
+          </p:cNvSpPr>
           <p:nvPr/>
         </p:nvSpPr>
         <p:spPr>
           <a:xfrm>
-            <a:off x="0" y="13391"/>
-            <a:ext cx="12192000" cy="6858000"/>
-          </a:xfrm>
-          <a:prstGeom prst="rect">
+            <a:off x="11280576" y="6093296"/>
+            <a:ext cx="648072" cy="432048"/>
+          </a:xfrm>
+          <a:prstGeom prst="roundRect">
             <a:avLst/>
           </a:prstGeom>
-          <a:solidFill>
-            <a:schemeClr val="tx2">
-              <a:lumMod val="75000"/>
-            </a:schemeClr>
-          </a:solidFill>
+          <a:ln w="25400" cap="flat" cmpd="sng" algn="ctr">
+            <a:solidFill>
+              <a:schemeClr val="tx2">
+                <a:lumMod val="60000"/>
+                <a:lumOff val="40000"/>
+              </a:schemeClr>
+            </a:solidFill>
+            <a:prstDash val="solid"/>
+          </a:ln>
         </p:spPr>
         <p:style>
           <a:lnRef idx="2">
-            <a:schemeClr val="accent1">
-              <a:shade val="50000"/>
-            </a:schemeClr>
+            <a:schemeClr val="accent1"/>
           </a:lnRef>
           <a:fillRef idx="1">
-            <a:schemeClr val="accent1"/>
+            <a:schemeClr val="lt1"/>
           </a:fillRef>
           <a:effectRef idx="0">
             <a:schemeClr val="accent1"/>
           </a:effectRef>
           <a:fontRef idx="minor">
-            <a:schemeClr val="lt1"/>
+            <a:schemeClr val="dk1"/>
           </a:fontRef>
         </p:style>
         <p:txBody>
-          <a:bodyPr rtlCol="0" anchor="ctr"/>
-          <a:lstStyle/>
-          <a:p>
-            <a:pPr algn="ctr"/>
-            <a:r>
-              <a:rPr lang="ru-RU" sz="6000" dirty="0"/>
-              <a:t>Основы криптографии</a:t>
-            </a:r>
-            <a:endParaRPr lang="uk-UA" sz="4000" dirty="0">
+          <a:bodyPr vert="horz" lIns="91440" tIns="45720" rIns="91440" bIns="45720" rtlCol="0" anchor="ctr"/>
+          <a:lstStyle/>
+          <a:p>
+            <a:pPr algn="ctr">
+              <a:defRPr/>
+            </a:pPr>
+            <a:fld id="{6389AA22-90B4-448C-8B6B-C699140D38B9}" type="slidenum">
+              <a:rPr lang="uk-UA" sz="2400" b="1">
+                <a:solidFill>
+                  <a:schemeClr val="bg1">
+                    <a:lumMod val="50000"/>
+                  </a:schemeClr>
+                </a:solidFill>
+              </a:rPr>
+              <a:pPr algn="ctr">
+                <a:defRPr/>
+              </a:pPr>
+              <a:t>2</a:t>
+            </a:fld>
+            <a:endParaRPr lang="uk-UA" sz="2400" b="1" dirty="0">
               <a:solidFill>
                 <a:schemeClr val="bg1">
-                  <a:lumMod val="85000"/>
+                  <a:lumMod val="50000"/>
                 </a:schemeClr>
               </a:solidFill>
             </a:endParaRPr>
           </a:p>
         </p:txBody>
       </p:sp>
+      <p:sp>
+        <p:nvSpPr>
+          <p:cNvPr id="3" name="TextBox 2"/>
+          <p:cNvSpPr txBox="1"/>
+          <p:nvPr/>
+        </p:nvSpPr>
+        <p:spPr>
+          <a:xfrm>
+            <a:off x="0" y="404664"/>
+            <a:ext cx="12191999" cy="646331"/>
+          </a:xfrm>
+          <a:prstGeom prst="rect">
+            <a:avLst/>
+          </a:prstGeom>
+          <a:noFill/>
+        </p:spPr>
+        <p:txBody>
+          <a:bodyPr wrap="square" rtlCol="0">
+            <a:spAutoFit/>
+          </a:bodyPr>
+          <a:lstStyle/>
+          <a:p>
+            <a:pPr algn="ctr"/>
+            <a:r>
+              <a:rPr lang="ru-RU" sz="3600" b="1" dirty="0"/>
+              <a:t>Основы криптографии</a:t>
+            </a:r>
+          </a:p>
+        </p:txBody>
+      </p:sp>
+      <p:sp>
+        <p:nvSpPr>
+          <p:cNvPr id="4" name="TextBox 3"/>
+          <p:cNvSpPr txBox="1"/>
+          <p:nvPr/>
+        </p:nvSpPr>
+        <p:spPr>
+          <a:xfrm>
+            <a:off x="2639616" y="1309988"/>
+            <a:ext cx="7704856" cy="4524315"/>
+          </a:xfrm>
+          <a:prstGeom prst="rect">
+            <a:avLst/>
+          </a:prstGeom>
+          <a:noFill/>
+        </p:spPr>
+        <p:txBody>
+          <a:bodyPr wrap="square" rtlCol="0">
+            <a:spAutoFit/>
+          </a:bodyPr>
+          <a:lstStyle/>
+          <a:p>
+            <a:pPr marL="514350" indent="-514350">
+              <a:lnSpc>
+                <a:spcPct val="150000"/>
+              </a:lnSpc>
+              <a:buFont typeface="+mj-lt"/>
+              <a:buAutoNum type="arabicPeriod"/>
+            </a:pPr>
+            <a:r>
+              <a:rPr lang="ru-RU" sz="2400" dirty="0">
+                <a:latin typeface="Bookman Old Style" panose="02050604050505020204" pitchFamily="18" charset="0"/>
+              </a:rPr>
+              <a:t>Двоичная и шестнадцатеричная система счисления;</a:t>
+            </a:r>
+            <a:endParaRPr lang="en-US" sz="2400" dirty="0">
+              <a:latin typeface="Bookman Old Style" panose="02050604050505020204" pitchFamily="18" charset="0"/>
+            </a:endParaRPr>
+          </a:p>
+          <a:p>
+            <a:pPr marL="514350" indent="-514350">
+              <a:lnSpc>
+                <a:spcPct val="150000"/>
+              </a:lnSpc>
+              <a:buFont typeface="+mj-lt"/>
+              <a:buAutoNum type="arabicPeriod"/>
+            </a:pPr>
+            <a:r>
+              <a:rPr lang="ru-RU" sz="2400" dirty="0">
+                <a:latin typeface="Bookman Old Style" panose="02050604050505020204" pitchFamily="18" charset="0"/>
+              </a:rPr>
+              <a:t>Битовые операции </a:t>
+            </a:r>
+            <a:r>
+              <a:rPr lang="en-US" sz="2400" dirty="0">
+                <a:latin typeface="Bookman Old Style" panose="02050604050505020204" pitchFamily="18" charset="0"/>
+              </a:rPr>
+              <a:t>AND</a:t>
+            </a:r>
+            <a:r>
+              <a:rPr lang="ru-RU" sz="2400" dirty="0">
+                <a:latin typeface="Bookman Old Style" panose="02050604050505020204" pitchFamily="18" charset="0"/>
+              </a:rPr>
+              <a:t>, </a:t>
+            </a:r>
+            <a:r>
+              <a:rPr lang="en-US" sz="2400" dirty="0">
+                <a:latin typeface="Bookman Old Style" panose="02050604050505020204" pitchFamily="18" charset="0"/>
+              </a:rPr>
+              <a:t>OR</a:t>
+            </a:r>
+            <a:r>
+              <a:rPr lang="ru-RU" sz="2400" dirty="0">
+                <a:latin typeface="Bookman Old Style" panose="02050604050505020204" pitchFamily="18" charset="0"/>
+              </a:rPr>
+              <a:t>, </a:t>
+            </a:r>
+            <a:r>
+              <a:rPr lang="en-US" sz="2400" dirty="0">
+                <a:latin typeface="Bookman Old Style" panose="02050604050505020204" pitchFamily="18" charset="0"/>
+              </a:rPr>
+              <a:t>XOR</a:t>
+            </a:r>
+            <a:r>
+              <a:rPr lang="ru-RU" sz="2400" dirty="0">
+                <a:latin typeface="Bookman Old Style" panose="02050604050505020204" pitchFamily="18" charset="0"/>
+              </a:rPr>
+              <a:t>;</a:t>
+            </a:r>
+          </a:p>
+          <a:p>
+            <a:pPr marL="514350" indent="-514350">
+              <a:lnSpc>
+                <a:spcPct val="150000"/>
+              </a:lnSpc>
+              <a:buFont typeface="+mj-lt"/>
+              <a:buAutoNum type="arabicPeriod"/>
+            </a:pPr>
+            <a:r>
+              <a:rPr lang="ru-RU" sz="2400" dirty="0">
+                <a:latin typeface="Bookman Old Style" panose="02050604050505020204" pitchFamily="18" charset="0"/>
+              </a:rPr>
+              <a:t>Симметричное шифрование;</a:t>
+            </a:r>
+          </a:p>
+          <a:p>
+            <a:pPr marL="514350" indent="-514350">
+              <a:lnSpc>
+                <a:spcPct val="150000"/>
+              </a:lnSpc>
+              <a:buFont typeface="+mj-lt"/>
+              <a:buAutoNum type="arabicPeriod"/>
+            </a:pPr>
+            <a:r>
+              <a:rPr lang="ru-RU" sz="2400" dirty="0">
+                <a:latin typeface="Bookman Old Style" panose="02050604050505020204" pitchFamily="18" charset="0"/>
+              </a:rPr>
+              <a:t>Ассиметричное шифрование;</a:t>
+            </a:r>
+            <a:endParaRPr lang="en-US" sz="2400" dirty="0">
+              <a:latin typeface="Bookman Old Style" panose="02050604050505020204" pitchFamily="18" charset="0"/>
+            </a:endParaRPr>
+          </a:p>
+          <a:p>
+            <a:pPr marL="514350" indent="-514350">
+              <a:lnSpc>
+                <a:spcPct val="150000"/>
+              </a:lnSpc>
+              <a:buFont typeface="+mj-lt"/>
+              <a:buAutoNum type="arabicPeriod"/>
+            </a:pPr>
+            <a:r>
+              <a:rPr lang="ru-RU" sz="2400" dirty="0">
+                <a:latin typeface="Bookman Old Style" panose="02050604050505020204" pitchFamily="18" charset="0"/>
+              </a:rPr>
+              <a:t>Хеширование;</a:t>
+            </a:r>
+          </a:p>
+          <a:p>
+            <a:pPr marL="514350" indent="-514350">
+              <a:lnSpc>
+                <a:spcPct val="150000"/>
+              </a:lnSpc>
+              <a:buFont typeface="+mj-lt"/>
+              <a:buAutoNum type="arabicPeriod"/>
+            </a:pPr>
+            <a:r>
+              <a:rPr lang="ru-RU" sz="2400" dirty="0">
+                <a:latin typeface="Bookman Old Style" panose="02050604050505020204" pitchFamily="18" charset="0"/>
+              </a:rPr>
+              <a:t>Цифровая подпись;</a:t>
+            </a:r>
+          </a:p>
+          <a:p>
+            <a:pPr marL="514350" indent="-514350">
+              <a:lnSpc>
+                <a:spcPct val="150000"/>
+              </a:lnSpc>
+              <a:buFont typeface="+mj-lt"/>
+              <a:buAutoNum type="arabicPeriod"/>
+            </a:pPr>
+            <a:r>
+              <a:rPr lang="en-US" sz="2400" dirty="0">
+                <a:latin typeface="Bookman Old Style" panose="02050604050505020204" pitchFamily="18" charset="0"/>
+              </a:rPr>
+              <a:t>HTTPS</a:t>
+            </a:r>
+            <a:r>
+              <a:rPr lang="ru-RU" sz="2400" dirty="0" smtClean="0">
+                <a:latin typeface="Bookman Old Style" panose="02050604050505020204" pitchFamily="18" charset="0"/>
+              </a:rPr>
+              <a:t>;</a:t>
+            </a:r>
+            <a:endParaRPr lang="en-US" sz="2400" dirty="0">
+              <a:latin typeface="Bookman Old Style" panose="02050604050505020204" pitchFamily="18" charset="0"/>
+            </a:endParaRPr>
+          </a:p>
+        </p:txBody>
+      </p:sp>
     </p:spTree>
     <p:extLst>
       <p:ext uri="{BB962C8B-B14F-4D97-AF65-F5344CB8AC3E}">
-        <p14:creationId xmlns:p14="http://schemas.microsoft.com/office/powerpoint/2010/main" val="1896187560"/>
+        <p14:creationId xmlns:p14="http://schemas.microsoft.com/office/powerpoint/2010/main" val="1801215676"/>
       </p:ext>
     </p:extLst>
   </p:cSld>
@@ -5079,7 +5012,37 @@
       </p:grpSpPr>
       <p:sp>
         <p:nvSpPr>
-          <p:cNvPr id="7" name="Номер слайда 36"/>
+          <p:cNvPr id="3" name="TextBox 2"/>
+          <p:cNvSpPr txBox="1"/>
+          <p:nvPr/>
+        </p:nvSpPr>
+        <p:spPr>
+          <a:xfrm>
+            <a:off x="0" y="323945"/>
+            <a:ext cx="12192000" cy="584775"/>
+          </a:xfrm>
+          <a:prstGeom prst="rect">
+            <a:avLst/>
+          </a:prstGeom>
+          <a:noFill/>
+        </p:spPr>
+        <p:txBody>
+          <a:bodyPr wrap="square" rtlCol="0">
+            <a:spAutoFit/>
+          </a:bodyPr>
+          <a:lstStyle/>
+          <a:p>
+            <a:pPr algn="ctr"/>
+            <a:r>
+              <a:rPr lang="ru-RU" sz="3200" b="1" dirty="0"/>
+              <a:t>Двоичная и шестнадцатеричная система счисления</a:t>
+            </a:r>
+          </a:p>
+        </p:txBody>
+      </p:sp>
+      <p:sp>
+        <p:nvSpPr>
+          <p:cNvPr id="9" name="Номер слайда 36"/>
           <p:cNvSpPr txBox="1">
             <a:spLocks/>
           </p:cNvSpPr>
@@ -5087,7 +5050,7 @@
         </p:nvSpPr>
         <p:spPr>
           <a:xfrm>
-            <a:off x="11280576" y="6093296"/>
+            <a:off x="11136560" y="6206958"/>
             <a:ext cx="648072" cy="432048"/>
           </a:xfrm>
           <a:prstGeom prst="roundRect">
@@ -5147,16 +5110,63 @@
           </a:p>
         </p:txBody>
       </p:sp>
-      <p:sp>
-        <p:nvSpPr>
-          <p:cNvPr id="3" name="TextBox 2"/>
+      <p:pic>
+        <p:nvPicPr>
+          <p:cNvPr id="10" name="Рисунок 9"/>
+          <p:cNvPicPr>
+            <a:picLocks noChangeAspect="1"/>
+          </p:cNvPicPr>
+          <p:nvPr/>
+        </p:nvPicPr>
+        <p:blipFill>
+          <a:blip r:embed="rId2"/>
+          <a:stretch>
+            <a:fillRect/>
+          </a:stretch>
+        </p:blipFill>
+        <p:spPr>
+          <a:xfrm>
+            <a:off x="1691195" y="1155801"/>
+            <a:ext cx="4460273" cy="4392488"/>
+          </a:xfrm>
+          <a:prstGeom prst="rect">
+            <a:avLst/>
+          </a:prstGeom>
+        </p:spPr>
+      </p:pic>
+      <p:pic>
+        <p:nvPicPr>
+          <p:cNvPr id="11" name="Рисунок 10"/>
+          <p:cNvPicPr>
+            <a:picLocks noChangeAspect="1"/>
+          </p:cNvPicPr>
+          <p:nvPr/>
+        </p:nvPicPr>
+        <p:blipFill rotWithShape="1">
+          <a:blip r:embed="rId3"/>
+          <a:srcRect b="1624"/>
+          <a:stretch/>
+        </p:blipFill>
+        <p:spPr>
+          <a:xfrm>
+            <a:off x="6155691" y="1155801"/>
+            <a:ext cx="4260789" cy="3956944"/>
+          </a:xfrm>
+          <a:prstGeom prst="rect">
+            <a:avLst/>
+          </a:prstGeom>
+        </p:spPr>
+      </p:pic>
+      <p:sp>
+        <p:nvSpPr>
+          <p:cNvPr id="13" name="TextBox 12"/>
           <p:cNvSpPr txBox="1"/>
           <p:nvPr/>
         </p:nvSpPr>
         <p:spPr>
           <a:xfrm>
-            <a:off x="0" y="404664"/>
-            <a:ext cx="12191999" cy="646331"/>
+            <a:off x="2423592" y="5805264"/>
+            <a:ext cx="7344816" cy="923330"/>
           </a:xfrm>
           <a:prstGeom prst="rect">
             <a:avLst/>
@@ -5171,195 +5181,16 @@
           <a:p>
             <a:pPr algn="ctr"/>
             <a:r>
-              <a:rPr lang="ru-RU" sz="3600" b="1" dirty="0"/>
-              <a:t>Основы криптографии</a:t>
-            </a:r>
-          </a:p>
-        </p:txBody>
-      </p:sp>
-      <p:sp>
-        <p:nvSpPr>
-          <p:cNvPr id="4" name="TextBox 3"/>
-          <p:cNvSpPr txBox="1"/>
-          <p:nvPr/>
-        </p:nvSpPr>
-        <p:spPr>
-          <a:xfrm>
-            <a:off x="2639616" y="1309988"/>
-            <a:ext cx="7704856" cy="4524315"/>
-          </a:xfrm>
-          <a:prstGeom prst="rect">
-            <a:avLst/>
-          </a:prstGeom>
-          <a:noFill/>
-        </p:spPr>
-        <p:txBody>
-          <a:bodyPr wrap="square" rtlCol="0">
-            <a:spAutoFit/>
-          </a:bodyPr>
-          <a:lstStyle/>
-          <a:p>
-            <a:pPr marL="514350" indent="-514350">
-              <a:lnSpc>
-                <a:spcPct val="150000"/>
-              </a:lnSpc>
-              <a:buFont typeface="+mj-lt"/>
-              <a:buAutoNum type="arabicPeriod"/>
-            </a:pPr>
-            <a:r>
-              <a:rPr lang="ru-RU" sz="2400" dirty="0">
-                <a:latin typeface="Bookman Old Style" panose="02050604050505020204" pitchFamily="18" charset="0"/>
-              </a:rPr>
-              <a:t>Двоичная и шестнадцатеричная система счисления;</a:t>
-            </a:r>
-            <a:endParaRPr lang="en-US" sz="2400" dirty="0">
-              <a:latin typeface="Bookman Old Style" panose="02050604050505020204" pitchFamily="18" charset="0"/>
-            </a:endParaRPr>
-          </a:p>
-          <a:p>
-            <a:pPr marL="514350" indent="-514350">
-              <a:lnSpc>
-                <a:spcPct val="150000"/>
-              </a:lnSpc>
-              <a:buFont typeface="+mj-lt"/>
-              <a:buAutoNum type="arabicPeriod"/>
-            </a:pPr>
-            <a:r>
-              <a:rPr lang="ru-RU" sz="2400" dirty="0">
-                <a:latin typeface="Bookman Old Style" panose="02050604050505020204" pitchFamily="18" charset="0"/>
-              </a:rPr>
-              <a:t>Битовые операции </a:t>
-            </a:r>
-            <a:r>
-              <a:rPr lang="en-US" sz="2400" dirty="0">
-                <a:latin typeface="Bookman Old Style" panose="02050604050505020204" pitchFamily="18" charset="0"/>
-              </a:rPr>
-              <a:t>AND</a:t>
-            </a:r>
-            <a:r>
-              <a:rPr lang="ru-RU" sz="2400" dirty="0">
-                <a:latin typeface="Bookman Old Style" panose="02050604050505020204" pitchFamily="18" charset="0"/>
-              </a:rPr>
-              <a:t>, </a:t>
-            </a:r>
-            <a:r>
-              <a:rPr lang="en-US" sz="2400" dirty="0">
-                <a:latin typeface="Bookman Old Style" panose="02050604050505020204" pitchFamily="18" charset="0"/>
-              </a:rPr>
-              <a:t>OR</a:t>
-            </a:r>
-            <a:r>
-              <a:rPr lang="ru-RU" sz="2400" dirty="0">
-                <a:latin typeface="Bookman Old Style" panose="02050604050505020204" pitchFamily="18" charset="0"/>
-              </a:rPr>
-              <a:t>, </a:t>
-            </a:r>
-            <a:r>
-              <a:rPr lang="en-US" sz="2400" dirty="0">
-                <a:latin typeface="Bookman Old Style" panose="02050604050505020204" pitchFamily="18" charset="0"/>
-              </a:rPr>
-              <a:t>XOR</a:t>
-            </a:r>
-            <a:r>
-              <a:rPr lang="ru-RU" sz="2400" dirty="0">
-                <a:latin typeface="Bookman Old Style" panose="02050604050505020204" pitchFamily="18" charset="0"/>
-              </a:rPr>
-              <a:t>;</a:t>
-            </a:r>
-          </a:p>
-          <a:p>
-            <a:pPr marL="514350" indent="-514350">
-              <a:lnSpc>
-                <a:spcPct val="150000"/>
-              </a:lnSpc>
-              <a:buFont typeface="+mj-lt"/>
-              <a:buAutoNum type="arabicPeriod"/>
-            </a:pPr>
-            <a:r>
-              <a:rPr lang="ru-RU" sz="2400" dirty="0">
-                <a:latin typeface="Bookman Old Style" panose="02050604050505020204" pitchFamily="18" charset="0"/>
-              </a:rPr>
-              <a:t>Симметричное шифрование;</a:t>
-            </a:r>
-          </a:p>
-          <a:p>
-            <a:pPr marL="514350" indent="-514350">
-              <a:lnSpc>
-                <a:spcPct val="150000"/>
-              </a:lnSpc>
-              <a:buFont typeface="+mj-lt"/>
-              <a:buAutoNum type="arabicPeriod"/>
-            </a:pPr>
-            <a:r>
-              <a:rPr lang="ru-RU" sz="2400" dirty="0">
-                <a:latin typeface="Bookman Old Style" panose="02050604050505020204" pitchFamily="18" charset="0"/>
-              </a:rPr>
-              <a:t>Ассиметричное шифрование;</a:t>
-            </a:r>
-            <a:endParaRPr lang="en-US" sz="2400" dirty="0">
-              <a:latin typeface="Bookman Old Style" panose="02050604050505020204" pitchFamily="18" charset="0"/>
-            </a:endParaRPr>
-          </a:p>
-          <a:p>
-            <a:pPr marL="514350" indent="-514350">
-              <a:lnSpc>
-                <a:spcPct val="150000"/>
-              </a:lnSpc>
-              <a:buFont typeface="+mj-lt"/>
-              <a:buAutoNum type="arabicPeriod"/>
-            </a:pPr>
-            <a:r>
-              <a:rPr lang="ru-RU" sz="2400" dirty="0">
-                <a:latin typeface="Bookman Old Style" panose="02050604050505020204" pitchFamily="18" charset="0"/>
-              </a:rPr>
-              <a:t>Хеширование;</a:t>
-            </a:r>
-          </a:p>
-          <a:p>
-            <a:pPr marL="514350" indent="-514350">
-              <a:lnSpc>
-                <a:spcPct val="150000"/>
-              </a:lnSpc>
-              <a:buFont typeface="+mj-lt"/>
-              <a:buAutoNum type="arabicPeriod"/>
-            </a:pPr>
-            <a:r>
-              <a:rPr lang="ru-RU" sz="2400" dirty="0">
-                <a:latin typeface="Bookman Old Style" panose="02050604050505020204" pitchFamily="18" charset="0"/>
-              </a:rPr>
-              <a:t>Цифровая подпись;</a:t>
-            </a:r>
-          </a:p>
-          <a:p>
-            <a:pPr marL="514350" indent="-514350">
-              <a:lnSpc>
-                <a:spcPct val="150000"/>
-              </a:lnSpc>
-              <a:buFont typeface="+mj-lt"/>
-              <a:buAutoNum type="arabicPeriod"/>
-            </a:pPr>
-            <a:r>
-              <a:rPr lang="en-US" sz="2400" dirty="0">
-                <a:latin typeface="Bookman Old Style" panose="02050604050505020204" pitchFamily="18" charset="0"/>
-              </a:rPr>
-              <a:t>HTTPS</a:t>
-            </a:r>
-            <a:r>
-              <a:rPr lang="ru-RU" sz="2400" dirty="0" smtClean="0">
-                <a:latin typeface="Bookman Old Style" panose="02050604050505020204" pitchFamily="18" charset="0"/>
-              </a:rPr>
-              <a:t>;</a:t>
-            </a:r>
-            <a:endParaRPr lang="en-US" sz="2400" dirty="0">
-              <a:latin typeface="Bookman Old Style" panose="02050604050505020204" pitchFamily="18" charset="0"/>
-            </a:endParaRPr>
+              <a:rPr lang="ru-RU" i="1" dirty="0"/>
+              <a:t>Разрядность системы счисления зависит от количества цифр используемых для формирования чисел, в остальном отличий от привычной нам десятичной системы нет.</a:t>
+            </a:r>
           </a:p>
         </p:txBody>
       </p:sp>
     </p:spTree>
     <p:extLst>
       <p:ext uri="{BB962C8B-B14F-4D97-AF65-F5344CB8AC3E}">
-        <p14:creationId xmlns:p14="http://schemas.microsoft.com/office/powerpoint/2010/main" val="1801215676"/>
+        <p14:creationId xmlns:p14="http://schemas.microsoft.com/office/powerpoint/2010/main" val="3126779798"/>
       </p:ext>
     </p:extLst>
   </p:cSld>
@@ -5395,37 +5226,7 @@
       </p:grpSpPr>
       <p:sp>
         <p:nvSpPr>
-          <p:cNvPr id="3" name="TextBox 2"/>
-          <p:cNvSpPr txBox="1"/>
-          <p:nvPr/>
-        </p:nvSpPr>
-        <p:spPr>
-          <a:xfrm>
-            <a:off x="0" y="323945"/>
-            <a:ext cx="12192000" cy="584775"/>
-          </a:xfrm>
-          <a:prstGeom prst="rect">
-            <a:avLst/>
-          </a:prstGeom>
-          <a:noFill/>
-        </p:spPr>
-        <p:txBody>
-          <a:bodyPr wrap="square" rtlCol="0">
-            <a:spAutoFit/>
-          </a:bodyPr>
-          <a:lstStyle/>
-          <a:p>
-            <a:pPr algn="ctr"/>
-            <a:r>
-              <a:rPr lang="ru-RU" sz="3200" b="1" dirty="0"/>
-              <a:t>Двоичная и шестнадцатеричная система счисления</a:t>
-            </a:r>
-          </a:p>
-        </p:txBody>
-      </p:sp>
-      <p:sp>
-        <p:nvSpPr>
-          <p:cNvPr id="9" name="Номер слайда 36"/>
+          <p:cNvPr id="7" name="Номер слайда 36"/>
           <p:cNvSpPr txBox="1">
             <a:spLocks/>
           </p:cNvSpPr>
@@ -5433,7 +5234,7 @@
         </p:nvSpPr>
         <p:spPr>
           <a:xfrm>
-            <a:off x="11136560" y="6206958"/>
+            <a:off x="11280576" y="6165304"/>
             <a:ext cx="648072" cy="432048"/>
           </a:xfrm>
           <a:prstGeom prst="roundRect">
@@ -5493,33 +5294,110 @@
           </a:p>
         </p:txBody>
       </p:sp>
+      <p:sp>
+        <p:nvSpPr>
+          <p:cNvPr id="3" name="TextBox 2"/>
+          <p:cNvSpPr txBox="1"/>
+          <p:nvPr/>
+        </p:nvSpPr>
+        <p:spPr>
+          <a:xfrm>
+            <a:off x="0" y="334397"/>
+            <a:ext cx="12192000" cy="646331"/>
+          </a:xfrm>
+          <a:prstGeom prst="rect">
+            <a:avLst/>
+          </a:prstGeom>
+          <a:noFill/>
+        </p:spPr>
+        <p:txBody>
+          <a:bodyPr wrap="square" rtlCol="0">
+            <a:spAutoFit/>
+          </a:bodyPr>
+          <a:lstStyle/>
+          <a:p>
+            <a:pPr algn="ctr"/>
+            <a:r>
+              <a:rPr lang="ru-RU" sz="3600" b="1" dirty="0"/>
+              <a:t>Битовые операции</a:t>
+            </a:r>
+          </a:p>
+        </p:txBody>
+      </p:sp>
       <p:pic>
         <p:nvPicPr>
-          <p:cNvPr id="10" name="Рисунок 9"/>
+          <p:cNvPr id="1026" name="Picture 2" descr="https://hsto.org/storage2/9af/1de/e09/9af1dee09d4d36ff0b15bdb4aae19e3b.png"/>
           <p:cNvPicPr>
-            <a:picLocks noChangeAspect="1"/>
+            <a:picLocks noChangeAspect="1" noChangeArrowheads="1"/>
           </p:cNvPicPr>
           <p:nvPr/>
         </p:nvPicPr>
         <p:blipFill>
-          <a:blip r:embed="rId2"/>
+          <a:blip r:embed="rId2">
+            <a:extLst>
+              <a:ext uri="{28A0092B-C50C-407E-A947-70E740481C1C}">
+                <a14:useLocalDpi xmlns:a14="http://schemas.microsoft.com/office/drawing/2010/main" val="0"/>
+              </a:ext>
+            </a:extLst>
+          </a:blip>
+          <a:srcRect/>
           <a:stretch>
             <a:fillRect/>
           </a:stretch>
         </p:blipFill>
-        <p:spPr>
-          <a:xfrm>
-            <a:off x="1691195" y="1155801"/>
-            <a:ext cx="4460273" cy="4392488"/>
+        <p:spPr bwMode="auto">
+          <a:xfrm>
+            <a:off x="4115780" y="1303053"/>
+            <a:ext cx="3960440" cy="1515589"/>
           </a:xfrm>
           <a:prstGeom prst="rect">
             <a:avLst/>
           </a:prstGeom>
+          <a:noFill/>
+          <a:extLst>
+            <a:ext uri="{909E8E84-426E-40DD-AFC4-6F175D3DCCD1}">
+              <a14:hiddenFill xmlns:a14="http://schemas.microsoft.com/office/drawing/2010/main">
+                <a:solidFill>
+                  <a:srgbClr val="FFFFFF"/>
+                </a:solidFill>
+              </a14:hiddenFill>
+            </a:ext>
+          </a:extLst>
         </p:spPr>
       </p:pic>
+      <p:sp>
+        <p:nvSpPr>
+          <p:cNvPr id="2" name="TextBox 1"/>
+          <p:cNvSpPr txBox="1"/>
+          <p:nvPr/>
+        </p:nvSpPr>
+        <p:spPr>
+          <a:xfrm>
+            <a:off x="0" y="5415607"/>
+            <a:ext cx="12192000" cy="461665"/>
+          </a:xfrm>
+          <a:prstGeom prst="rect">
+            <a:avLst/>
+          </a:prstGeom>
+          <a:noFill/>
+        </p:spPr>
+        <p:txBody>
+          <a:bodyPr wrap="square" rtlCol="0">
+            <a:spAutoFit/>
+          </a:bodyPr>
+          <a:lstStyle/>
+          <a:p>
+            <a:pPr algn="ctr"/>
+            <a:r>
+              <a:rPr lang="ru-RU" sz="2400" dirty="0"/>
+              <a:t>Битовые операторы выполняют операции над битами числа</a:t>
+            </a:r>
+          </a:p>
+        </p:txBody>
+      </p:sp>
       <p:pic>
         <p:nvPicPr>
-          <p:cNvPr id="11" name="Рисунок 10"/>
+          <p:cNvPr id="5" name="Рисунок 4"/>
           <p:cNvPicPr>
             <a:picLocks noChangeAspect="1"/>
           </p:cNvPicPr>
@@ -5527,53 +5405,106 @@
         </p:nvPicPr>
         <p:blipFill rotWithShape="1">
           <a:blip r:embed="rId3"/>
-          <a:srcRect b="1624"/>
+          <a:srcRect l="10542" t="14993" r="438" b="15006"/>
           <a:stretch/>
         </p:blipFill>
         <p:spPr>
           <a:xfrm>
-            <a:off x="6155691" y="1155801"/>
-            <a:ext cx="4260789" cy="3956944"/>
+            <a:off x="551384" y="3140968"/>
+            <a:ext cx="7351903" cy="2031447"/>
           </a:xfrm>
           <a:prstGeom prst="rect">
             <a:avLst/>
           </a:prstGeom>
+          <a:ln>
+            <a:solidFill>
+              <a:schemeClr val="bg1">
+                <a:lumMod val="75000"/>
+              </a:schemeClr>
+            </a:solidFill>
+          </a:ln>
+          <a:effectLst>
+            <a:outerShdw blurRad="292100" dist="139700" dir="2700000" algn="tl" rotWithShape="0">
+              <a:srgbClr val="333333">
+                <a:alpha val="65000"/>
+              </a:srgbClr>
+            </a:outerShdw>
+          </a:effectLst>
         </p:spPr>
       </p:pic>
-      <p:sp>
-        <p:nvSpPr>
-          <p:cNvPr id="13" name="TextBox 12"/>
-          <p:cNvSpPr txBox="1"/>
+      <p:pic>
+        <p:nvPicPr>
+          <p:cNvPr id="6" name="Рисунок 5"/>
+          <p:cNvPicPr>
+            <a:picLocks noChangeAspect="1"/>
+          </p:cNvPicPr>
           <p:nvPr/>
-        </p:nvSpPr>
-        <p:spPr>
-          <a:xfrm>
-            <a:off x="2423592" y="5805264"/>
-            <a:ext cx="7344816" cy="923330"/>
+        </p:nvPicPr>
+        <p:blipFill rotWithShape="1">
+          <a:blip r:embed="rId4"/>
+          <a:srcRect t="6734" b="11852"/>
+          <a:stretch/>
+        </p:blipFill>
+        <p:spPr>
+          <a:xfrm>
+            <a:off x="8256240" y="3699176"/>
+            <a:ext cx="3318879" cy="856485"/>
           </a:xfrm>
           <a:prstGeom prst="rect">
             <a:avLst/>
           </a:prstGeom>
-          <a:noFill/>
-        </p:spPr>
-        <p:txBody>
-          <a:bodyPr wrap="square" rtlCol="0">
+          <a:ln>
+            <a:solidFill>
+              <a:schemeClr val="bg1">
+                <a:lumMod val="75000"/>
+              </a:schemeClr>
+            </a:solidFill>
+          </a:ln>
+          <a:effectLst>
+            <a:outerShdw blurRad="292100" dist="139700" dir="2700000" algn="tl" rotWithShape="0">
+              <a:srgbClr val="333333">
+                <a:alpha val="65000"/>
+              </a:srgbClr>
+            </a:outerShdw>
+          </a:effectLst>
+        </p:spPr>
+      </p:pic>
+      <p:sp>
+        <p:nvSpPr>
+          <p:cNvPr id="4" name="Прямоугольник 3"/>
+          <p:cNvSpPr/>
+          <p:nvPr/>
+        </p:nvSpPr>
+        <p:spPr>
+          <a:xfrm>
+            <a:off x="0" y="5877272"/>
+            <a:ext cx="12192000" cy="461665"/>
+          </a:xfrm>
+          <a:prstGeom prst="rect">
+            <a:avLst/>
+          </a:prstGeom>
+        </p:spPr>
+        <p:txBody>
+          <a:bodyPr wrap="square">
             <a:spAutoFit/>
           </a:bodyPr>
           <a:lstStyle/>
           <a:p>
             <a:pPr algn="ctr"/>
             <a:r>
-              <a:rPr lang="ru-RU" i="1" dirty="0"/>
-              <a:t>Разрядность системы счисления зависит от количества цифр используемых для формирования чисел, в остальном отличий от привычной нам десятичной системы нет.</a:t>
-            </a:r>
+              <a:rPr lang="ru-RU" sz="2400" b="1" dirty="0">
+                <a:hlinkClick r:id="rId5"/>
+              </a:rPr>
+              <a:t>https://learn.javascript.ru/bitwise-operators</a:t>
+            </a:r>
+            <a:endParaRPr lang="ru-RU" sz="2400" b="1" dirty="0"/>
           </a:p>
         </p:txBody>
       </p:sp>
     </p:spTree>
     <p:extLst>
       <p:ext uri="{BB962C8B-B14F-4D97-AF65-F5344CB8AC3E}">
-        <p14:creationId xmlns:p14="http://schemas.microsoft.com/office/powerpoint/2010/main" val="3126779798"/>
+        <p14:creationId xmlns:p14="http://schemas.microsoft.com/office/powerpoint/2010/main" val="345493617"/>
       </p:ext>
     </p:extLst>
   </p:cSld>
@@ -5685,8 +5616,8 @@
         </p:nvSpPr>
         <p:spPr>
           <a:xfrm>
-            <a:off x="0" y="334397"/>
-            <a:ext cx="12192000" cy="646331"/>
+            <a:off x="7896200" y="836712"/>
+            <a:ext cx="3600400" cy="1200329"/>
           </a:xfrm>
           <a:prstGeom prst="rect">
             <a:avLst/>
@@ -5699,112 +5630,97 @@
           </a:bodyPr>
           <a:lstStyle/>
           <a:p>
-            <a:pPr algn="ctr"/>
             <a:r>
               <a:rPr lang="ru-RU" sz="3600" b="1" dirty="0"/>
-              <a:t>Битовые операции</a:t>
-            </a:r>
-          </a:p>
-        </p:txBody>
-      </p:sp>
-      <p:pic>
-        <p:nvPicPr>
-          <p:cNvPr id="1026" name="Picture 2" descr="https://hsto.org/storage2/9af/1de/e09/9af1dee09d4d36ff0b15bdb4aae19e3b.png"/>
-          <p:cNvPicPr>
-            <a:picLocks noChangeAspect="1" noChangeArrowheads="1"/>
-          </p:cNvPicPr>
+              <a:t>Симметричное шифрование</a:t>
+            </a:r>
+          </a:p>
+        </p:txBody>
+      </p:sp>
+      <p:sp>
+        <p:nvSpPr>
+          <p:cNvPr id="4" name="TextBox 3"/>
+          <p:cNvSpPr txBox="1"/>
           <p:nvPr/>
-        </p:nvPicPr>
-        <p:blipFill>
-          <a:blip r:embed="rId2">
-            <a:extLst>
-              <a:ext uri="{28A0092B-C50C-407E-A947-70E740481C1C}">
-                <a14:useLocalDpi xmlns:a14="http://schemas.microsoft.com/office/drawing/2010/main" val="0"/>
-              </a:ext>
-            </a:extLst>
-          </a:blip>
-          <a:srcRect/>
-          <a:stretch>
-            <a:fillRect/>
-          </a:stretch>
-        </p:blipFill>
-        <p:spPr bwMode="auto">
-          <a:xfrm>
-            <a:off x="4115780" y="1303053"/>
-            <a:ext cx="3960440" cy="1515589"/>
+        </p:nvSpPr>
+        <p:spPr>
+          <a:xfrm>
+            <a:off x="7896200" y="2204864"/>
+            <a:ext cx="2988332" cy="2677656"/>
           </a:xfrm>
           <a:prstGeom prst="rect">
             <a:avLst/>
           </a:prstGeom>
           <a:noFill/>
-          <a:extLst>
-            <a:ext uri="{909E8E84-426E-40DD-AFC4-6F175D3DCCD1}">
-              <a14:hiddenFill xmlns:a14="http://schemas.microsoft.com/office/drawing/2010/main">
-                <a:solidFill>
-                  <a:srgbClr val="FFFFFF"/>
-                </a:solidFill>
-              </a14:hiddenFill>
-            </a:ext>
-          </a:extLst>
-        </p:spPr>
-      </p:pic>
-      <p:sp>
-        <p:nvSpPr>
-          <p:cNvPr id="2" name="TextBox 1"/>
-          <p:cNvSpPr txBox="1"/>
+        </p:spPr>
+        <p:txBody>
+          <a:bodyPr wrap="square" rtlCol="0">
+            <a:spAutoFit/>
+          </a:bodyPr>
+          <a:lstStyle/>
+          <a:p>
+            <a:r>
+              <a:rPr lang="ru-RU" sz="2400" dirty="0"/>
+              <a:t>Симметричное шифрование – использует один и тот же ключ для шифрования и расшифровки данных</a:t>
+            </a:r>
+          </a:p>
+        </p:txBody>
+      </p:sp>
+      <p:sp>
+        <p:nvSpPr>
+          <p:cNvPr id="5" name="Прямоугольник 4"/>
+          <p:cNvSpPr/>
           <p:nvPr/>
         </p:nvSpPr>
         <p:spPr>
           <a:xfrm>
-            <a:off x="0" y="5415607"/>
-            <a:ext cx="12192000" cy="461665"/>
+            <a:off x="7896200" y="5157192"/>
+            <a:ext cx="3960440" cy="707886"/>
           </a:xfrm>
           <a:prstGeom prst="rect">
             <a:avLst/>
           </a:prstGeom>
-          <a:noFill/>
-        </p:spPr>
-        <p:txBody>
-          <a:bodyPr wrap="square" rtlCol="0">
+        </p:spPr>
+        <p:txBody>
+          <a:bodyPr wrap="square">
             <a:spAutoFit/>
           </a:bodyPr>
           <a:lstStyle/>
           <a:p>
-            <a:pPr algn="ctr"/>
-            <a:r>
-              <a:rPr lang="ru-RU" sz="2400" dirty="0"/>
-              <a:t>Битовые операторы выполняют операции над битами числа</a:t>
-            </a:r>
+            <a:r>
+              <a:rPr lang="ru-RU" sz="2000" b="1" dirty="0">
+                <a:hlinkClick r:id="rId2"/>
+              </a:rPr>
+              <a:t>https://ru.wikipedia.org/wiki/Симметричные_криптосистемы</a:t>
+            </a:r>
+            <a:endParaRPr lang="ru-RU" sz="2000" b="1" dirty="0"/>
           </a:p>
         </p:txBody>
       </p:sp>
       <p:pic>
         <p:nvPicPr>
-          <p:cNvPr id="5" name="Рисунок 4"/>
+          <p:cNvPr id="6" name="Рисунок 5"/>
           <p:cNvPicPr>
             <a:picLocks noChangeAspect="1"/>
           </p:cNvPicPr>
           <p:nvPr/>
         </p:nvPicPr>
-        <p:blipFill rotWithShape="1">
+        <p:blipFill>
           <a:blip r:embed="rId3"/>
-          <a:srcRect l="10542" t="14993" r="438" b="15006"/>
-          <a:stretch/>
+          <a:stretch>
+            <a:fillRect/>
+          </a:stretch>
         </p:blipFill>
         <p:spPr>
           <a:xfrm>
-            <a:off x="551384" y="3140968"/>
-            <a:ext cx="7351903" cy="2031447"/>
+            <a:off x="-1333" y="-138"/>
+            <a:ext cx="7477125" cy="6819900"/>
           </a:xfrm>
           <a:prstGeom prst="rect">
             <a:avLst/>
           </a:prstGeom>
           <a:ln>
-            <a:solidFill>
-              <a:schemeClr val="bg1">
-                <a:lumMod val="75000"/>
-              </a:schemeClr>
-            </a:solidFill>
+            <a:noFill/>
           </a:ln>
           <a:effectLst>
             <a:outerShdw blurRad="292100" dist="139700" dir="2700000" algn="tl" rotWithShape="0">
@@ -5815,79 +5731,10 @@
           </a:effectLst>
         </p:spPr>
       </p:pic>
-      <p:pic>
-        <p:nvPicPr>
-          <p:cNvPr id="6" name="Рисунок 5"/>
-          <p:cNvPicPr>
-            <a:picLocks noChangeAspect="1"/>
-          </p:cNvPicPr>
-          <p:nvPr/>
-        </p:nvPicPr>
-        <p:blipFill rotWithShape="1">
-          <a:blip r:embed="rId4"/>
-          <a:srcRect t="6734" b="11852"/>
-          <a:stretch/>
-        </p:blipFill>
-        <p:spPr>
-          <a:xfrm>
-            <a:off x="8256240" y="3699176"/>
-            <a:ext cx="3318879" cy="856485"/>
-          </a:xfrm>
-          <a:prstGeom prst="rect">
-            <a:avLst/>
-          </a:prstGeom>
-          <a:ln>
-            <a:solidFill>
-              <a:schemeClr val="bg1">
-                <a:lumMod val="75000"/>
-              </a:schemeClr>
-            </a:solidFill>
-          </a:ln>
-          <a:effectLst>
-            <a:outerShdw blurRad="292100" dist="139700" dir="2700000" algn="tl" rotWithShape="0">
-              <a:srgbClr val="333333">
-                <a:alpha val="65000"/>
-              </a:srgbClr>
-            </a:outerShdw>
-          </a:effectLst>
-        </p:spPr>
-      </p:pic>
-      <p:sp>
-        <p:nvSpPr>
-          <p:cNvPr id="4" name="Прямоугольник 3"/>
-          <p:cNvSpPr/>
-          <p:nvPr/>
-        </p:nvSpPr>
-        <p:spPr>
-          <a:xfrm>
-            <a:off x="0" y="5877272"/>
-            <a:ext cx="12192000" cy="461665"/>
-          </a:xfrm>
-          <a:prstGeom prst="rect">
-            <a:avLst/>
-          </a:prstGeom>
-        </p:spPr>
-        <p:txBody>
-          <a:bodyPr wrap="square">
-            <a:spAutoFit/>
-          </a:bodyPr>
-          <a:lstStyle/>
-          <a:p>
-            <a:pPr algn="ctr"/>
-            <a:r>
-              <a:rPr lang="ru-RU" sz="2400" b="1" dirty="0">
-                <a:hlinkClick r:id="rId5"/>
-              </a:rPr>
-              <a:t>https://learn.javascript.ru/bitwise-operators</a:t>
-            </a:r>
-            <a:endParaRPr lang="ru-RU" sz="2400" b="1" dirty="0"/>
-          </a:p>
-        </p:txBody>
-      </p:sp>
     </p:spTree>
     <p:extLst>
       <p:ext uri="{BB962C8B-B14F-4D97-AF65-F5344CB8AC3E}">
-        <p14:creationId xmlns:p14="http://schemas.microsoft.com/office/powerpoint/2010/main" val="345493617"/>
+        <p14:creationId xmlns:p14="http://schemas.microsoft.com/office/powerpoint/2010/main" val="407472749"/>
       </p:ext>
     </p:extLst>
   </p:cSld>
@@ -5931,7 +5778,7 @@
         </p:nvSpPr>
         <p:spPr>
           <a:xfrm>
-            <a:off x="11280576" y="6165304"/>
+            <a:off x="11208568" y="6165304"/>
             <a:ext cx="648072" cy="432048"/>
           </a:xfrm>
           <a:prstGeom prst="roundRect">
@@ -5999,8 +5846,8 @@
         </p:nvSpPr>
         <p:spPr>
           <a:xfrm>
-            <a:off x="7896200" y="836712"/>
-            <a:ext cx="3600400" cy="1200329"/>
+            <a:off x="3497747" y="491474"/>
+            <a:ext cx="5471691" cy="1077218"/>
           </a:xfrm>
           <a:prstGeom prst="rect">
             <a:avLst/>
@@ -6008,14 +5855,30 @@
           <a:noFill/>
         </p:spPr>
         <p:txBody>
-          <a:bodyPr wrap="square" rtlCol="0">
+          <a:bodyPr wrap="none" rtlCol="0">
             <a:spAutoFit/>
           </a:bodyPr>
           <a:lstStyle/>
           <a:p>
-            <a:r>
-              <a:rPr lang="ru-RU" sz="3600" b="1" dirty="0"/>
-              <a:t>Симметричное шифрование</a:t>
+            <a:pPr algn="ctr"/>
+            <a:r>
+              <a:rPr lang="ru-RU" sz="3200" b="1" dirty="0"/>
+              <a:t>Ассиметричное шифрование </a:t>
+            </a:r>
+          </a:p>
+          <a:p>
+            <a:pPr algn="ctr"/>
+            <a:r>
+              <a:rPr lang="ru-RU" sz="3200" b="1" dirty="0"/>
+              <a:t>(алгоритм </a:t>
+            </a:r>
+            <a:r>
+              <a:rPr lang="en-US" sz="3200" b="1" dirty="0"/>
+              <a:t>RSA</a:t>
+            </a:r>
+            <a:r>
+              <a:rPr lang="ru-RU" sz="3200" b="1" dirty="0"/>
+              <a:t>)</a:t>
             </a:r>
           </a:p>
         </p:txBody>
@@ -6028,8 +5891,8 @@
         </p:nvSpPr>
         <p:spPr>
           <a:xfrm>
-            <a:off x="7896200" y="2204864"/>
-            <a:ext cx="2988332" cy="2677656"/>
+            <a:off x="2381164" y="4725144"/>
+            <a:ext cx="7704856" cy="707886"/>
           </a:xfrm>
           <a:prstGeom prst="rect">
             <a:avLst/>
@@ -6042,82 +5905,119 @@
           </a:bodyPr>
           <a:lstStyle/>
           <a:p>
-            <a:r>
-              <a:rPr lang="ru-RU" sz="2400" dirty="0"/>
-              <a:t>Симметричное шифрование – использует один и тот же ключ для шифрования и расшифровки данных</a:t>
-            </a:r>
-          </a:p>
-        </p:txBody>
-      </p:sp>
-      <p:sp>
-        <p:nvSpPr>
-          <p:cNvPr id="5" name="Прямоугольник 4"/>
-          <p:cNvSpPr/>
-          <p:nvPr/>
-        </p:nvSpPr>
-        <p:spPr>
-          <a:xfrm>
-            <a:off x="7896200" y="5157192"/>
-            <a:ext cx="3960440" cy="707886"/>
-          </a:xfrm>
-          <a:prstGeom prst="rect">
-            <a:avLst/>
-          </a:prstGeom>
-        </p:spPr>
-        <p:txBody>
-          <a:bodyPr wrap="square">
-            <a:spAutoFit/>
-          </a:bodyPr>
-          <a:lstStyle/>
-          <a:p>
-            <a:r>
-              <a:rPr lang="ru-RU" sz="2000" b="1" dirty="0">
-                <a:hlinkClick r:id="rId2"/>
-              </a:rPr>
-              <a:t>https://ru.wikipedia.org/wiki/Симметричные_криптосистемы</a:t>
-            </a:r>
-            <a:endParaRPr lang="ru-RU" sz="2000" b="1" dirty="0"/>
+            <a:pPr algn="ctr"/>
+            <a:r>
+              <a:rPr lang="ru-RU" sz="2000" dirty="0"/>
+              <a:t>Ассиметричное шифрование – использует разные ключи </a:t>
+            </a:r>
+            <a:endParaRPr lang="en-US" sz="2000" dirty="0" smtClean="0"/>
+          </a:p>
+          <a:p>
+            <a:pPr algn="ctr"/>
+            <a:r>
+              <a:rPr lang="ru-RU" sz="2000" dirty="0" smtClean="0"/>
+              <a:t>(</a:t>
+            </a:r>
+            <a:r>
+              <a:rPr lang="ru-RU" sz="2000" b="1" dirty="0"/>
+              <a:t>открытый</a:t>
+            </a:r>
+            <a:r>
+              <a:rPr lang="ru-RU" sz="2000" dirty="0"/>
+              <a:t> и </a:t>
+            </a:r>
+            <a:r>
+              <a:rPr lang="ru-RU" sz="2000" b="1" dirty="0"/>
+              <a:t>закрытый</a:t>
+            </a:r>
+            <a:r>
+              <a:rPr lang="ru-RU" sz="2000" dirty="0"/>
+              <a:t>) для шифрования и расшифровки данных.</a:t>
+            </a:r>
           </a:p>
         </p:txBody>
       </p:sp>
       <p:pic>
         <p:nvPicPr>
-          <p:cNvPr id="6" name="Рисунок 5"/>
+          <p:cNvPr id="2052" name="Picture 4" descr="https://cdn-images-1.medium.com/max/800/1*yNPjtfBw0UIXXiSBo6CfDw.png"/>
           <p:cNvPicPr>
-            <a:picLocks noChangeAspect="1"/>
+            <a:picLocks noChangeAspect="1" noChangeArrowheads="1"/>
           </p:cNvPicPr>
           <p:nvPr/>
         </p:nvPicPr>
         <p:blipFill>
-          <a:blip r:embed="rId3"/>
+          <a:blip r:embed="rId2">
+            <a:extLst>
+              <a:ext uri="{28A0092B-C50C-407E-A947-70E740481C1C}">
+                <a14:useLocalDpi xmlns:a14="http://schemas.microsoft.com/office/drawing/2010/main" val="0"/>
+              </a:ext>
+            </a:extLst>
+          </a:blip>
+          <a:srcRect/>
           <a:stretch>
             <a:fillRect/>
           </a:stretch>
         </p:blipFill>
-        <p:spPr>
-          <a:xfrm>
-            <a:off x="-1333" y="-138"/>
-            <a:ext cx="7477125" cy="6819900"/>
+        <p:spPr bwMode="auto">
+          <a:xfrm>
+            <a:off x="2351584" y="1772817"/>
+            <a:ext cx="7620000" cy="2819401"/>
           </a:xfrm>
           <a:prstGeom prst="rect">
             <a:avLst/>
           </a:prstGeom>
-          <a:ln>
-            <a:noFill/>
+          <a:noFill/>
+          <a:ln w="28575">
+            <a:solidFill>
+              <a:srgbClr val="00B0F0"/>
+            </a:solidFill>
           </a:ln>
-          <a:effectLst>
-            <a:outerShdw blurRad="292100" dist="139700" dir="2700000" algn="tl" rotWithShape="0">
-              <a:srgbClr val="333333">
-                <a:alpha val="65000"/>
-              </a:srgbClr>
-            </a:outerShdw>
-          </a:effectLst>
+          <a:extLst>
+            <a:ext uri="{909E8E84-426E-40DD-AFC4-6F175D3DCCD1}">
+              <a14:hiddenFill xmlns:a14="http://schemas.microsoft.com/office/drawing/2010/main">
+                <a:solidFill>
+                  <a:srgbClr val="FFFFFF"/>
+                </a:solidFill>
+              </a14:hiddenFill>
+            </a:ext>
+          </a:extLst>
         </p:spPr>
       </p:pic>
+      <p:sp>
+        <p:nvSpPr>
+          <p:cNvPr id="5" name="Прямоугольник 4"/>
+          <p:cNvSpPr/>
+          <p:nvPr/>
+        </p:nvSpPr>
+        <p:spPr>
+          <a:xfrm>
+            <a:off x="2417167" y="5589240"/>
+            <a:ext cx="7632848" cy="400110"/>
+          </a:xfrm>
+          <a:prstGeom prst="rect">
+            <a:avLst/>
+          </a:prstGeom>
+        </p:spPr>
+        <p:txBody>
+          <a:bodyPr wrap="square">
+            <a:spAutoFit/>
+          </a:bodyPr>
+          <a:lstStyle/>
+          <a:p>
+            <a:r>
+              <a:rPr lang="ru-RU" sz="2000" b="1" dirty="0">
+                <a:hlinkClick r:id="rId3"/>
+              </a:rPr>
+              <a:t>https://ru.wikipedia.org/wiki/Криптосистема_с_открытым_ключом</a:t>
+            </a:r>
+            <a:endParaRPr lang="ru-RU" sz="2000" b="1" dirty="0"/>
+          </a:p>
+        </p:txBody>
+      </p:sp>
     </p:spTree>
     <p:extLst>
       <p:ext uri="{BB962C8B-B14F-4D97-AF65-F5344CB8AC3E}">
-        <p14:creationId xmlns:p14="http://schemas.microsoft.com/office/powerpoint/2010/main" val="407472749"/>
+        <p14:creationId xmlns:p14="http://schemas.microsoft.com/office/powerpoint/2010/main" val="3506496130"/>
       </p:ext>
     </p:extLst>
   </p:cSld>
@@ -6161,7 +6061,7 @@
         </p:nvSpPr>
         <p:spPr>
           <a:xfrm>
-            <a:off x="11208568" y="6165304"/>
+            <a:off x="11136560" y="6237312"/>
             <a:ext cx="648072" cy="432048"/>
           </a:xfrm>
           <a:prstGeom prst="roundRect">
@@ -6229,8 +6129,8 @@
         </p:nvSpPr>
         <p:spPr>
           <a:xfrm>
-            <a:off x="3497747" y="491474"/>
-            <a:ext cx="5471691" cy="1077218"/>
+            <a:off x="8328248" y="1355284"/>
+            <a:ext cx="3585519" cy="1569660"/>
           </a:xfrm>
           <a:prstGeom prst="rect">
             <a:avLst/>
@@ -6238,19 +6138,17 @@
           <a:noFill/>
         </p:spPr>
         <p:txBody>
-          <a:bodyPr wrap="none" rtlCol="0">
+          <a:bodyPr wrap="square" rtlCol="0">
             <a:spAutoFit/>
           </a:bodyPr>
           <a:lstStyle/>
           <a:p>
-            <a:pPr algn="ctr"/>
             <a:r>
               <a:rPr lang="ru-RU" sz="3200" b="1" dirty="0"/>
               <a:t>Ассиметричное шифрование </a:t>
             </a:r>
           </a:p>
           <a:p>
-            <a:pPr algn="ctr"/>
             <a:r>
               <a:rPr lang="ru-RU" sz="3200" b="1" dirty="0"/>
               <a:t>(алгоритм </a:t>
@@ -6274,8 +6172,8 @@
         </p:nvSpPr>
         <p:spPr>
           <a:xfrm>
-            <a:off x="2381164" y="4725144"/>
-            <a:ext cx="7704856" cy="707886"/>
+            <a:off x="8328248" y="3717032"/>
+            <a:ext cx="3003713" cy="1938992"/>
           </a:xfrm>
           <a:prstGeom prst="rect">
             <a:avLst/>
@@ -6288,41 +6186,16 @@
           </a:bodyPr>
           <a:lstStyle/>
           <a:p>
-            <a:pPr algn="ctr"/>
             <a:r>
               <a:rPr lang="ru-RU" sz="2000" dirty="0"/>
-              <a:t>Ассиметричное шифрование – использует разные ключи </a:t>
-            </a:r>
-            <a:endParaRPr lang="en-US" sz="2000" dirty="0" smtClean="0"/>
-          </a:p>
-          <a:p>
-            <a:pPr algn="ctr"/>
-            <a:r>
-              <a:rPr lang="ru-RU" sz="2000" dirty="0" smtClean="0"/>
-              <a:t>(</a:t>
-            </a:r>
-            <a:r>
-              <a:rPr lang="ru-RU" sz="2000" b="1" dirty="0"/>
-              <a:t>открытый</a:t>
-            </a:r>
-            <a:r>
-              <a:rPr lang="ru-RU" sz="2000" dirty="0"/>
-              <a:t> и </a:t>
-            </a:r>
-            <a:r>
-              <a:rPr lang="ru-RU" sz="2000" b="1" dirty="0"/>
-              <a:t>закрытый</a:t>
-            </a:r>
-            <a:r>
-              <a:rPr lang="ru-RU" sz="2000" dirty="0"/>
-              <a:t>) для шифрования и расшифровки данных.</a:t>
+              <a:t>Ассиметричное шифрование – использует разные ключи (открытый и закрытый) для шифрования и расшифровки данных.</a:t>
             </a:r>
           </a:p>
         </p:txBody>
       </p:sp>
       <p:pic>
         <p:nvPicPr>
-          <p:cNvPr id="2052" name="Picture 4" descr="https://cdn-images-1.medium.com/max/800/1*yNPjtfBw0UIXXiSBo6CfDw.png"/>
+          <p:cNvPr id="2050" name="Picture 2" descr="Результат пошуку зображень за запитом &quot;RSA&quot;"/>
           <p:cNvPicPr>
             <a:picLocks noChangeAspect="1" noChangeArrowheads="1"/>
           </p:cNvPicPr>
@@ -6343,18 +6216,26 @@
         </p:blipFill>
         <p:spPr bwMode="auto">
           <a:xfrm>
-            <a:off x="2351584" y="1772817"/>
-            <a:ext cx="7620000" cy="2819401"/>
+            <a:off x="623392" y="1124744"/>
+            <a:ext cx="7384967" cy="4659437"/>
           </a:xfrm>
           <a:prstGeom prst="rect">
             <a:avLst/>
           </a:prstGeom>
-          <a:noFill/>
-          <a:ln w="28575">
+          <a:ln>
             <a:solidFill>
-              <a:srgbClr val="00B0F0"/>
+              <a:schemeClr val="bg1">
+                <a:lumMod val="75000"/>
+              </a:schemeClr>
             </a:solidFill>
           </a:ln>
+          <a:effectLst>
+            <a:outerShdw blurRad="292100" dist="139700" dir="2700000" algn="tl" rotWithShape="0">
+              <a:srgbClr val="333333">
+                <a:alpha val="65000"/>
+              </a:srgbClr>
+            </a:outerShdw>
+          </a:effectLst>
           <a:extLst>
             <a:ext uri="{909E8E84-426E-40DD-AFC4-6F175D3DCCD1}">
               <a14:hiddenFill xmlns:a14="http://schemas.microsoft.com/office/drawing/2010/main">
@@ -6366,41 +6247,10 @@
           </a:extLst>
         </p:spPr>
       </p:pic>
-      <p:sp>
-        <p:nvSpPr>
-          <p:cNvPr id="5" name="Прямоугольник 4"/>
-          <p:cNvSpPr/>
-          <p:nvPr/>
-        </p:nvSpPr>
-        <p:spPr>
-          <a:xfrm>
-            <a:off x="2417167" y="5589240"/>
-            <a:ext cx="7632848" cy="400110"/>
-          </a:xfrm>
-          <a:prstGeom prst="rect">
-            <a:avLst/>
-          </a:prstGeom>
-        </p:spPr>
-        <p:txBody>
-          <a:bodyPr wrap="square">
-            <a:spAutoFit/>
-          </a:bodyPr>
-          <a:lstStyle/>
-          <a:p>
-            <a:r>
-              <a:rPr lang="ru-RU" sz="2000" b="1" dirty="0">
-                <a:hlinkClick r:id="rId3"/>
-              </a:rPr>
-              <a:t>https://ru.wikipedia.org/wiki/Криптосистема_с_открытым_ключом</a:t>
-            </a:r>
-            <a:endParaRPr lang="ru-RU" sz="2000" b="1" dirty="0"/>
-          </a:p>
-        </p:txBody>
-      </p:sp>
     </p:spTree>
     <p:extLst>
       <p:ext uri="{BB962C8B-B14F-4D97-AF65-F5344CB8AC3E}">
-        <p14:creationId xmlns:p14="http://schemas.microsoft.com/office/powerpoint/2010/main" val="3506496130"/>
+        <p14:creationId xmlns:p14="http://schemas.microsoft.com/office/powerpoint/2010/main" val="2383362792"/>
       </p:ext>
     </p:extLst>
   </p:cSld>
@@ -6444,7 +6294,7 @@
         </p:nvSpPr>
         <p:spPr>
           <a:xfrm>
-            <a:off x="11136560" y="6237312"/>
+            <a:off x="11280576" y="6165304"/>
             <a:ext cx="648072" cy="432048"/>
           </a:xfrm>
           <a:prstGeom prst="roundRect">
@@ -6512,8 +6362,8 @@
         </p:nvSpPr>
         <p:spPr>
           <a:xfrm>
-            <a:off x="8328248" y="1355284"/>
-            <a:ext cx="3585519" cy="1569660"/>
+            <a:off x="0" y="692696"/>
+            <a:ext cx="12192000" cy="584775"/>
           </a:xfrm>
           <a:prstGeom prst="rect">
             <a:avLst/>
@@ -6526,15 +6376,10 @@
           </a:bodyPr>
           <a:lstStyle/>
           <a:p>
+            <a:pPr algn="ctr"/>
             <a:r>
               <a:rPr lang="ru-RU" sz="3200" b="1" dirty="0"/>
-              <a:t>Ассиметричное шифрование </a:t>
-            </a:r>
-          </a:p>
-          <a:p>
-            <a:r>
-              <a:rPr lang="ru-RU" sz="3200" b="1" dirty="0"/>
-              <a:t>(алгоритм </a:t>
+              <a:t>Алгоритм </a:t>
             </a:r>
             <a:r>
               <a:rPr lang="en-US" sz="3200" b="1" dirty="0"/>
@@ -6542,21 +6387,21 @@
             </a:r>
             <a:r>
               <a:rPr lang="ru-RU" sz="3200" b="1" dirty="0"/>
-              <a:t>)</a:t>
-            </a:r>
-          </a:p>
-        </p:txBody>
-      </p:sp>
-      <p:sp>
-        <p:nvSpPr>
-          <p:cNvPr id="4" name="TextBox 3"/>
+              <a:t> / Генерация ключей</a:t>
+            </a:r>
+          </a:p>
+        </p:txBody>
+      </p:sp>
+      <p:sp>
+        <p:nvSpPr>
+          <p:cNvPr id="2" name="TextBox 1"/>
           <p:cNvSpPr txBox="1"/>
           <p:nvPr/>
         </p:nvSpPr>
         <p:spPr>
           <a:xfrm>
-            <a:off x="8328248" y="3717032"/>
-            <a:ext cx="3003713" cy="1938992"/>
+            <a:off x="1631504" y="1471453"/>
+            <a:ext cx="9793088" cy="4549835"/>
           </a:xfrm>
           <a:prstGeom prst="rect">
             <a:avLst/>
@@ -6569,71 +6414,193 @@
           </a:bodyPr>
           <a:lstStyle/>
           <a:p>
-            <a:r>
-              <a:rPr lang="ru-RU" sz="2000" dirty="0"/>
-              <a:t>Ассиметричное шифрование – использует разные ключи (открытый и закрытый) для шифрования и расшифровки данных.</a:t>
-            </a:r>
-          </a:p>
-        </p:txBody>
-      </p:sp>
-      <p:pic>
-        <p:nvPicPr>
-          <p:cNvPr id="2050" name="Picture 2" descr="Результат пошуку зображень за запитом &quot;RSA&quot;"/>
-          <p:cNvPicPr>
-            <a:picLocks noChangeAspect="1" noChangeArrowheads="1"/>
-          </p:cNvPicPr>
-          <p:nvPr/>
-        </p:nvPicPr>
-        <p:blipFill>
-          <a:blip r:embed="rId2">
-            <a:extLst>
-              <a:ext uri="{28A0092B-C50C-407E-A947-70E740481C1C}">
-                <a14:useLocalDpi xmlns:a14="http://schemas.microsoft.com/office/drawing/2010/main" val="0"/>
-              </a:ext>
-            </a:extLst>
-          </a:blip>
-          <a:srcRect/>
-          <a:stretch>
-            <a:fillRect/>
-          </a:stretch>
-        </p:blipFill>
-        <p:spPr bwMode="auto">
-          <a:xfrm>
-            <a:off x="623392" y="1124744"/>
-            <a:ext cx="7384967" cy="4659437"/>
-          </a:xfrm>
-          <a:prstGeom prst="rect">
-            <a:avLst/>
-          </a:prstGeom>
-          <a:ln>
-            <a:solidFill>
-              <a:schemeClr val="bg1">
-                <a:lumMod val="75000"/>
-              </a:schemeClr>
-            </a:solidFill>
-          </a:ln>
-          <a:effectLst>
-            <a:outerShdw blurRad="292100" dist="139700" dir="2700000" algn="tl" rotWithShape="0">
-              <a:srgbClr val="333333">
-                <a:alpha val="65000"/>
-              </a:srgbClr>
-            </a:outerShdw>
-          </a:effectLst>
-          <a:extLst>
-            <a:ext uri="{909E8E84-426E-40DD-AFC4-6F175D3DCCD1}">
-              <a14:hiddenFill xmlns:a14="http://schemas.microsoft.com/office/drawing/2010/main">
-                <a:solidFill>
-                  <a:srgbClr val="FFFFFF"/>
-                </a:solidFill>
-              </a14:hiddenFill>
-            </a:ext>
-          </a:extLst>
-        </p:spPr>
-      </p:pic>
+            <a:pPr marL="342900" indent="-342900">
+              <a:lnSpc>
+                <a:spcPct val="150000"/>
+              </a:lnSpc>
+              <a:buAutoNum type="arabicPeriod"/>
+            </a:pPr>
+            <a:r>
+              <a:rPr lang="ru-RU" sz="2800" dirty="0"/>
+              <a:t>Выбираем два простых числа </a:t>
+            </a:r>
+            <a:r>
+              <a:rPr lang="en-US" sz="2800" b="1" dirty="0"/>
+              <a:t>P</a:t>
+            </a:r>
+            <a:r>
+              <a:rPr lang="ru-RU" sz="2800" dirty="0"/>
+              <a:t> и </a:t>
+            </a:r>
+            <a:r>
+              <a:rPr lang="en-US" sz="2800" b="1" dirty="0"/>
+              <a:t>Q</a:t>
+            </a:r>
+            <a:r>
+              <a:rPr lang="en-US" sz="2800" dirty="0" smtClean="0"/>
+              <a:t>;</a:t>
+            </a:r>
+            <a:endParaRPr lang="en-US" sz="2800" dirty="0"/>
+          </a:p>
+          <a:p>
+            <a:pPr marL="342900" indent="-342900">
+              <a:lnSpc>
+                <a:spcPct val="150000"/>
+              </a:lnSpc>
+              <a:buAutoNum type="arabicPeriod"/>
+            </a:pPr>
+            <a:r>
+              <a:rPr lang="ru-RU" sz="2800" dirty="0"/>
+              <a:t>Находим </a:t>
+            </a:r>
+            <a:r>
+              <a:rPr lang="en-US" sz="2800" b="1" dirty="0"/>
+              <a:t>N = P * Q</a:t>
+            </a:r>
+            <a:r>
+              <a:rPr lang="en-US" sz="2800" dirty="0"/>
+              <a:t>;</a:t>
+            </a:r>
+          </a:p>
+          <a:p>
+            <a:pPr marL="342900" indent="-342900">
+              <a:lnSpc>
+                <a:spcPct val="150000"/>
+              </a:lnSpc>
+              <a:buAutoNum type="arabicPeriod"/>
+            </a:pPr>
+            <a:r>
+              <a:rPr lang="ru-RU" sz="2800" dirty="0"/>
+              <a:t>Находим </a:t>
+            </a:r>
+            <a:r>
+              <a:rPr lang="en-US" sz="2800" b="1" dirty="0"/>
+              <a:t>F = (Q – 1) * (P – 1)</a:t>
+            </a:r>
+            <a:r>
+              <a:rPr lang="en-US" sz="2800" dirty="0"/>
+              <a:t>;</a:t>
+            </a:r>
+          </a:p>
+          <a:p>
+            <a:pPr marL="342900" indent="-342900">
+              <a:lnSpc>
+                <a:spcPct val="150000"/>
+              </a:lnSpc>
+              <a:buAutoNum type="arabicPeriod"/>
+            </a:pPr>
+            <a:r>
+              <a:rPr lang="ru-RU" sz="2800" dirty="0"/>
+              <a:t>Подбираем число </a:t>
+            </a:r>
+            <a:r>
+              <a:rPr lang="en-US" sz="2800" b="1" dirty="0"/>
+              <a:t>E</a:t>
+            </a:r>
+            <a:r>
+              <a:rPr lang="ru-RU" sz="2800" dirty="0"/>
+              <a:t>, которое должно быть простым, быть меньшим </a:t>
+            </a:r>
+            <a:r>
+              <a:rPr lang="en-US" sz="2800" b="1" dirty="0"/>
+              <a:t>F</a:t>
+            </a:r>
+            <a:r>
+              <a:rPr lang="en-US" sz="2800" dirty="0"/>
+              <a:t> </a:t>
+            </a:r>
+            <a:r>
+              <a:rPr lang="ru-RU" sz="2800" dirty="0"/>
+              <a:t>и их максимальный общий делитель был </a:t>
+            </a:r>
+            <a:r>
+              <a:rPr lang="ru-RU" sz="2800" b="1" dirty="0"/>
+              <a:t>1</a:t>
+            </a:r>
+            <a:r>
+              <a:rPr lang="ru-RU" sz="2800" dirty="0"/>
+              <a:t>;</a:t>
+            </a:r>
+          </a:p>
+          <a:p>
+            <a:pPr marL="342900" indent="-342900">
+              <a:lnSpc>
+                <a:spcPct val="150000"/>
+              </a:lnSpc>
+              <a:buAutoNum type="arabicPeriod"/>
+            </a:pPr>
+            <a:r>
+              <a:rPr lang="ru-RU" sz="2800" dirty="0"/>
+              <a:t>Выбираем число </a:t>
+            </a:r>
+            <a:r>
+              <a:rPr lang="en-US" sz="2800" b="1" dirty="0"/>
+              <a:t>D</a:t>
+            </a:r>
+            <a:r>
+              <a:rPr lang="ru-RU" sz="2800" dirty="0"/>
+              <a:t> </a:t>
+            </a:r>
+            <a:r>
+              <a:rPr lang="ru-RU" sz="2800" dirty="0" smtClean="0"/>
+              <a:t>удовлетворяющее</a:t>
+            </a:r>
+            <a:r>
+              <a:rPr lang="en-US" sz="2800" dirty="0" smtClean="0"/>
+              <a:t> </a:t>
+            </a:r>
+            <a:r>
+              <a:rPr lang="en-US" sz="2800" b="1" dirty="0" smtClean="0"/>
+              <a:t>D </a:t>
+            </a:r>
+            <a:r>
+              <a:rPr lang="en-US" sz="2800" b="1" dirty="0"/>
+              <a:t>* E % F == 1</a:t>
+            </a:r>
+            <a:r>
+              <a:rPr lang="en-US" sz="2800" dirty="0"/>
+              <a:t>;</a:t>
+            </a:r>
+          </a:p>
+          <a:p>
+            <a:pPr marL="342900" indent="-342900">
+              <a:lnSpc>
+                <a:spcPct val="150000"/>
+              </a:lnSpc>
+              <a:buAutoNum type="arabicPeriod"/>
+            </a:pPr>
+            <a:r>
+              <a:rPr lang="ru-RU" sz="2800" dirty="0"/>
+              <a:t>Теперь у нас есть пара ключей </a:t>
+            </a:r>
+            <a:r>
+              <a:rPr lang="en-US" sz="2800" b="1" dirty="0"/>
+              <a:t>(E, N)</a:t>
+            </a:r>
+            <a:r>
+              <a:rPr lang="en-US" sz="2800" dirty="0"/>
+              <a:t> </a:t>
+            </a:r>
+            <a:r>
+              <a:rPr lang="ru-RU" sz="2800" dirty="0"/>
+              <a:t>и </a:t>
+            </a:r>
+            <a:r>
+              <a:rPr lang="en-US" sz="2800" b="1" dirty="0"/>
+              <a:t>(D, N)</a:t>
+            </a:r>
+            <a:r>
+              <a:rPr lang="en-US" sz="2800" dirty="0"/>
+              <a:t>;</a:t>
+            </a:r>
+            <a:endParaRPr lang="ru-RU" sz="2800" dirty="0"/>
+          </a:p>
+        </p:txBody>
+      </p:sp>
     </p:spTree>
     <p:extLst>
       <p:ext uri="{BB962C8B-B14F-4D97-AF65-F5344CB8AC3E}">
-        <p14:creationId xmlns:p14="http://schemas.microsoft.com/office/powerpoint/2010/main" val="2383362792"/>
+        <p14:creationId xmlns:p14="http://schemas.microsoft.com/office/powerpoint/2010/main" val="874961883"/>
       </p:ext>
     </p:extLst>
   </p:cSld>
@@ -6677,7 +6644,7 @@
         </p:nvSpPr>
         <p:spPr>
           <a:xfrm>
-            <a:off x="11280576" y="6165304"/>
+            <a:off x="11208568" y="6093296"/>
             <a:ext cx="648072" cy="432048"/>
           </a:xfrm>
           <a:prstGeom prst="roundRect">
@@ -6745,8 +6712,8 @@
         </p:nvSpPr>
         <p:spPr>
           <a:xfrm>
-            <a:off x="0" y="692696"/>
-            <a:ext cx="12192000" cy="584775"/>
+            <a:off x="5221787" y="215064"/>
+            <a:ext cx="1892442" cy="584775"/>
           </a:xfrm>
           <a:prstGeom prst="rect">
             <a:avLst/>
@@ -6754,24 +6721,17 @@
           <a:noFill/>
         </p:spPr>
         <p:txBody>
-          <a:bodyPr wrap="square" rtlCol="0">
+          <a:bodyPr wrap="none" rtlCol="0">
             <a:spAutoFit/>
           </a:bodyPr>
           <a:lstStyle/>
           <a:p>
             <a:pPr algn="ctr"/>
             <a:r>
-              <a:rPr lang="ru-RU" sz="3200" b="1" dirty="0"/>
-              <a:t>Алгоритм </a:t>
-            </a:r>
-            <a:r>
               <a:rPr lang="en-US" sz="3200" b="1" dirty="0"/>
-              <a:t>RSA</a:t>
-            </a:r>
-            <a:r>
-              <a:rPr lang="ru-RU" sz="3200" b="1" dirty="0"/>
-              <a:t> / Генерация ключей</a:t>
-            </a:r>
+              <a:t>Node-RSA</a:t>
+            </a:r>
+            <a:endParaRPr lang="ru-RU" sz="3200" b="1" dirty="0"/>
           </a:p>
         </p:txBody>
       </p:sp>
@@ -6783,8 +6743,8 @@
         </p:nvSpPr>
         <p:spPr>
           <a:xfrm>
-            <a:off x="1631504" y="1471453"/>
-            <a:ext cx="9793088" cy="4549835"/>
+            <a:off x="1991544" y="4424626"/>
+            <a:ext cx="8352928" cy="830997"/>
           </a:xfrm>
           <a:prstGeom prst="rect">
             <a:avLst/>
@@ -6797,193 +6757,132 @@
           </a:bodyPr>
           <a:lstStyle/>
           <a:p>
-            <a:pPr marL="342900" indent="-342900">
-              <a:lnSpc>
-                <a:spcPct val="150000"/>
-              </a:lnSpc>
-              <a:buAutoNum type="arabicPeriod"/>
-            </a:pPr>
-            <a:r>
-              <a:rPr lang="ru-RU" sz="2800" dirty="0"/>
-              <a:t>Выбираем два простых числа </a:t>
-            </a:r>
-            <a:r>
-              <a:rPr lang="en-US" sz="2800" b="1" dirty="0"/>
-              <a:t>P</a:t>
-            </a:r>
-            <a:r>
-              <a:rPr lang="ru-RU" sz="2800" dirty="0"/>
-              <a:t> и </a:t>
-            </a:r>
-            <a:r>
-              <a:rPr lang="en-US" sz="2800" b="1" dirty="0"/>
-              <a:t>Q</a:t>
-            </a:r>
-            <a:r>
-              <a:rPr lang="en-US" sz="2800" dirty="0" smtClean="0"/>
-              <a:t>;</a:t>
-            </a:r>
-            <a:endParaRPr lang="en-US" sz="2800" dirty="0"/>
-          </a:p>
-          <a:p>
-            <a:pPr marL="342900" indent="-342900">
-              <a:lnSpc>
-                <a:spcPct val="150000"/>
-              </a:lnSpc>
-              <a:buAutoNum type="arabicPeriod"/>
-            </a:pPr>
-            <a:r>
-              <a:rPr lang="ru-RU" sz="2800" dirty="0"/>
-              <a:t>Находим </a:t>
-            </a:r>
-            <a:r>
-              <a:rPr lang="en-US" sz="2800" b="1" dirty="0"/>
-              <a:t>N = P * Q</a:t>
-            </a:r>
-            <a:r>
-              <a:rPr lang="en-US" sz="2800" dirty="0"/>
-              <a:t>;</a:t>
-            </a:r>
-          </a:p>
-          <a:p>
-            <a:pPr marL="342900" indent="-342900">
-              <a:lnSpc>
-                <a:spcPct val="150000"/>
-              </a:lnSpc>
-              <a:buAutoNum type="arabicPeriod"/>
-            </a:pPr>
-            <a:r>
-              <a:rPr lang="ru-RU" sz="2800" dirty="0"/>
-              <a:t>Находим </a:t>
-            </a:r>
-            <a:r>
-              <a:rPr lang="en-US" sz="2800" b="1" dirty="0"/>
-              <a:t>F = (Q – 1) * (P – 1)</a:t>
-            </a:r>
-            <a:r>
-              <a:rPr lang="en-US" sz="2800" dirty="0"/>
-              <a:t>;</a:t>
-            </a:r>
-          </a:p>
-          <a:p>
-            <a:pPr marL="342900" indent="-342900">
-              <a:lnSpc>
-                <a:spcPct val="150000"/>
-              </a:lnSpc>
-              <a:buAutoNum type="arabicPeriod"/>
-            </a:pPr>
-            <a:r>
-              <a:rPr lang="ru-RU" sz="2800" dirty="0"/>
-              <a:t>Подбираем число </a:t>
-            </a:r>
-            <a:r>
-              <a:rPr lang="en-US" sz="2800" b="1" dirty="0"/>
-              <a:t>E</a:t>
-            </a:r>
-            <a:r>
-              <a:rPr lang="ru-RU" sz="2800" dirty="0"/>
-              <a:t>, которое должно быть простым, быть меньшим </a:t>
-            </a:r>
-            <a:r>
-              <a:rPr lang="en-US" sz="2800" b="1" dirty="0"/>
-              <a:t>F</a:t>
-            </a:r>
-            <a:r>
-              <a:rPr lang="en-US" sz="2800" dirty="0"/>
+            <a:pPr algn="ctr"/>
+            <a:r>
+              <a:rPr lang="ru-RU" sz="2000" dirty="0"/>
+              <a:t>В </a:t>
+            </a:r>
+            <a:r>
+              <a:rPr lang="en-US" sz="2400" b="1" dirty="0"/>
+              <a:t>NPM’</a:t>
+            </a:r>
+            <a:r>
+              <a:rPr lang="ru-RU" sz="2400" dirty="0"/>
+              <a:t>е есть модуль </a:t>
+            </a:r>
+            <a:r>
+              <a:rPr lang="en-US" sz="2400" b="1" dirty="0"/>
+              <a:t>node-</a:t>
+            </a:r>
+            <a:r>
+              <a:rPr lang="en-US" sz="2400" b="1" dirty="0" err="1"/>
+              <a:t>rsa</a:t>
+            </a:r>
+            <a:r>
+              <a:rPr lang="en-US" sz="2400" dirty="0"/>
               <a:t> </a:t>
             </a:r>
             <a:r>
-              <a:rPr lang="ru-RU" sz="2800" dirty="0"/>
-              <a:t>и их максимальный общий делитель был </a:t>
-            </a:r>
-            <a:r>
-              <a:rPr lang="ru-RU" sz="2800" b="1" dirty="0"/>
-              <a:t>1</a:t>
-            </a:r>
-            <a:r>
-              <a:rPr lang="ru-RU" sz="2800" dirty="0"/>
-              <a:t>;</a:t>
-            </a:r>
-          </a:p>
-          <a:p>
-            <a:pPr marL="342900" indent="-342900">
-              <a:lnSpc>
-                <a:spcPct val="150000"/>
-              </a:lnSpc>
-              <a:buAutoNum type="arabicPeriod"/>
-            </a:pPr>
-            <a:r>
-              <a:rPr lang="ru-RU" sz="2800" dirty="0"/>
-              <a:t>Выбираем число </a:t>
-            </a:r>
-            <a:r>
-              <a:rPr lang="en-US" sz="2800" b="1" dirty="0"/>
-              <a:t>D</a:t>
-            </a:r>
-            <a:r>
-              <a:rPr lang="ru-RU" sz="2800" dirty="0"/>
-              <a:t> </a:t>
-            </a:r>
-            <a:r>
-              <a:rPr lang="ru-RU" sz="2800" dirty="0" smtClean="0"/>
-              <a:t>удовлетворяющее</a:t>
-            </a:r>
-            <a:r>
-              <a:rPr lang="en-US" sz="2800" dirty="0" smtClean="0"/>
-              <a:t> </a:t>
-            </a:r>
-            <a:r>
-              <a:rPr lang="en-US" sz="2800" b="1" dirty="0" smtClean="0"/>
-              <a:t>D </a:t>
-            </a:r>
-            <a:r>
-              <a:rPr lang="en-US" sz="2800" b="1" dirty="0"/>
-              <a:t>* E % F == 1</a:t>
-            </a:r>
-            <a:r>
-              <a:rPr lang="en-US" sz="2800" dirty="0"/>
-              <a:t>;</a:t>
-            </a:r>
-          </a:p>
-          <a:p>
-            <a:pPr marL="342900" indent="-342900">
-              <a:lnSpc>
-                <a:spcPct val="150000"/>
-              </a:lnSpc>
-              <a:buAutoNum type="arabicPeriod"/>
-            </a:pPr>
-            <a:r>
-              <a:rPr lang="ru-RU" sz="2800" dirty="0"/>
-              <a:t>Теперь у нас есть пара ключей </a:t>
-            </a:r>
-            <a:r>
-              <a:rPr lang="en-US" sz="2800" b="1" dirty="0"/>
-              <a:t>(E, N)</a:t>
-            </a:r>
-            <a:r>
-              <a:rPr lang="en-US" sz="2800" dirty="0"/>
-              <a:t> </a:t>
-            </a:r>
-            <a:r>
-              <a:rPr lang="ru-RU" sz="2800" dirty="0"/>
-              <a:t>и </a:t>
-            </a:r>
-            <a:r>
-              <a:rPr lang="en-US" sz="2800" b="1" dirty="0"/>
-              <a:t>(D, N)</a:t>
-            </a:r>
-            <a:r>
-              <a:rPr lang="en-US" sz="2800" dirty="0"/>
-              <a:t>;</a:t>
-            </a:r>
-            <a:endParaRPr lang="ru-RU" sz="2800" dirty="0"/>
-          </a:p>
-        </p:txBody>
-      </p:sp>
+              <a:rPr lang="ru-RU" sz="2400" dirty="0"/>
+              <a:t>содержащий всё необходимо для шифрования/дешифрования по алгоритму </a:t>
+            </a:r>
+            <a:r>
+              <a:rPr lang="en-US" sz="2400" b="1" dirty="0"/>
+              <a:t>RSA</a:t>
+            </a:r>
+            <a:r>
+              <a:rPr lang="en-US" sz="2400" dirty="0"/>
+              <a:t>.</a:t>
+            </a:r>
+            <a:endParaRPr lang="ru-RU" sz="2400" dirty="0"/>
+          </a:p>
+        </p:txBody>
+      </p:sp>
+      <p:sp>
+        <p:nvSpPr>
+          <p:cNvPr id="5" name="Прямоугольник 4"/>
+          <p:cNvSpPr/>
+          <p:nvPr/>
+        </p:nvSpPr>
+        <p:spPr>
+          <a:xfrm>
+            <a:off x="2808819" y="5498068"/>
+            <a:ext cx="6718378" cy="523220"/>
+          </a:xfrm>
+          <a:prstGeom prst="rect">
+            <a:avLst/>
+          </a:prstGeom>
+        </p:spPr>
+        <p:txBody>
+          <a:bodyPr wrap="none">
+            <a:spAutoFit/>
+          </a:bodyPr>
+          <a:lstStyle/>
+          <a:p>
+            <a:r>
+              <a:rPr lang="ru-RU" sz="2800" b="1" dirty="0">
+                <a:hlinkClick r:id="rId2"/>
+              </a:rPr>
+              <a:t>https://www.npmjs.com/package/node-rsa</a:t>
+            </a:r>
+            <a:endParaRPr lang="ru-RU" sz="2800" b="1" dirty="0"/>
+          </a:p>
+        </p:txBody>
+      </p:sp>
+      <p:pic>
+        <p:nvPicPr>
+          <p:cNvPr id="1026" name="Picture 2" descr="https://www.budgetbanque.fr/data/wp-content/uploads/2018/12/rsa-definition.png"/>
+          <p:cNvPicPr>
+            <a:picLocks noChangeAspect="1" noChangeArrowheads="1"/>
+          </p:cNvPicPr>
+          <p:nvPr/>
+        </p:nvPicPr>
+        <p:blipFill>
+          <a:blip r:embed="rId3">
+            <a:extLst>
+              <a:ext uri="{28A0092B-C50C-407E-A947-70E740481C1C}">
+                <a14:useLocalDpi xmlns:a14="http://schemas.microsoft.com/office/drawing/2010/main" val="0"/>
+              </a:ext>
+            </a:extLst>
+          </a:blip>
+          <a:srcRect/>
+          <a:stretch>
+            <a:fillRect/>
+          </a:stretch>
+        </p:blipFill>
+        <p:spPr bwMode="auto">
+          <a:xfrm>
+            <a:off x="3794956" y="908720"/>
+            <a:ext cx="4746104" cy="3138362"/>
+          </a:xfrm>
+          <a:prstGeom prst="rect">
+            <a:avLst/>
+          </a:prstGeom>
+          <a:ln>
+            <a:noFill/>
+          </a:ln>
+          <a:effectLst>
+            <a:outerShdw blurRad="292100" dist="139700" dir="2700000" algn="tl" rotWithShape="0">
+              <a:srgbClr val="333333">
+                <a:alpha val="65000"/>
+              </a:srgbClr>
+            </a:outerShdw>
+          </a:effectLst>
+          <a:extLst>
+            <a:ext uri="{909E8E84-426E-40DD-AFC4-6F175D3DCCD1}">
+              <a14:hiddenFill xmlns:a14="http://schemas.microsoft.com/office/drawing/2010/main">
+                <a:solidFill>
+                  <a:srgbClr val="FFFFFF"/>
+                </a:solidFill>
+              </a14:hiddenFill>
+            </a:ext>
+          </a:extLst>
+        </p:spPr>
+      </p:pic>
     </p:spTree>
     <p:extLst>
       <p:ext uri="{BB962C8B-B14F-4D97-AF65-F5344CB8AC3E}">
-        <p14:creationId xmlns:p14="http://schemas.microsoft.com/office/powerpoint/2010/main" val="874961883"/>
+        <p14:creationId xmlns:p14="http://schemas.microsoft.com/office/powerpoint/2010/main" val="884617881"/>
       </p:ext>
     </p:extLst>
   </p:cSld>
